--- a/infrastructure-week-12.pptx
+++ b/infrastructure-week-12.pptx
@@ -8,13 +8,14 @@
     <p:sldId id="257" r:id="rId2"/>
     <p:sldId id="258" r:id="rId3"/>
     <p:sldId id="261" r:id="rId4"/>
-    <p:sldId id="260" r:id="rId5"/>
-    <p:sldId id="263" r:id="rId6"/>
-    <p:sldId id="264" r:id="rId7"/>
-    <p:sldId id="266" r:id="rId8"/>
-    <p:sldId id="265" r:id="rId9"/>
-    <p:sldId id="267" r:id="rId10"/>
-    <p:sldId id="259" r:id="rId11"/>
+    <p:sldId id="268" r:id="rId5"/>
+    <p:sldId id="260" r:id="rId6"/>
+    <p:sldId id="263" r:id="rId7"/>
+    <p:sldId id="264" r:id="rId8"/>
+    <p:sldId id="266" r:id="rId9"/>
+    <p:sldId id="265" r:id="rId10"/>
+    <p:sldId id="267" r:id="rId11"/>
+    <p:sldId id="259" r:id="rId12"/>
   </p:sldIdLst>
   <p:sldSz cx="9144000" cy="6858000" type="screen4x3"/>
   <p:notesSz cx="6858000" cy="9144000"/>
@@ -297,7 +298,7 @@
           <a:p>
             <a:fld id="{82766180-1F8B-C44D-859B-E66BA4E6A7CD}" type="datetimeFigureOut">
               <a:rPr lang="en-US" smtClean="0"/>
-              <a:t>3/31/16</a:t>
+              <a:t>4/14/16</a:t>
             </a:fld>
             <a:endParaRPr lang="en-US"/>
           </a:p>
@@ -467,7 +468,7 @@
           <a:p>
             <a:fld id="{82766180-1F8B-C44D-859B-E66BA4E6A7CD}" type="datetimeFigureOut">
               <a:rPr lang="en-US" smtClean="0"/>
-              <a:t>3/31/16</a:t>
+              <a:t>4/14/16</a:t>
             </a:fld>
             <a:endParaRPr lang="en-US"/>
           </a:p>
@@ -647,7 +648,7 @@
           <a:p>
             <a:fld id="{82766180-1F8B-C44D-859B-E66BA4E6A7CD}" type="datetimeFigureOut">
               <a:rPr lang="en-US" smtClean="0"/>
-              <a:t>3/31/16</a:t>
+              <a:t>4/14/16</a:t>
             </a:fld>
             <a:endParaRPr lang="en-US"/>
           </a:p>
@@ -817,7 +818,7 @@
           <a:p>
             <a:fld id="{82766180-1F8B-C44D-859B-E66BA4E6A7CD}" type="datetimeFigureOut">
               <a:rPr lang="en-US" smtClean="0"/>
-              <a:t>3/31/16</a:t>
+              <a:t>4/14/16</a:t>
             </a:fld>
             <a:endParaRPr lang="en-US"/>
           </a:p>
@@ -1063,7 +1064,7 @@
           <a:p>
             <a:fld id="{82766180-1F8B-C44D-859B-E66BA4E6A7CD}" type="datetimeFigureOut">
               <a:rPr lang="en-US" smtClean="0"/>
-              <a:t>3/31/16</a:t>
+              <a:t>4/14/16</a:t>
             </a:fld>
             <a:endParaRPr lang="en-US"/>
           </a:p>
@@ -1351,7 +1352,7 @@
           <a:p>
             <a:fld id="{82766180-1F8B-C44D-859B-E66BA4E6A7CD}" type="datetimeFigureOut">
               <a:rPr lang="en-US" smtClean="0"/>
-              <a:t>3/31/16</a:t>
+              <a:t>4/14/16</a:t>
             </a:fld>
             <a:endParaRPr lang="en-US"/>
           </a:p>
@@ -1773,7 +1774,7 @@
           <a:p>
             <a:fld id="{82766180-1F8B-C44D-859B-E66BA4E6A7CD}" type="datetimeFigureOut">
               <a:rPr lang="en-US" smtClean="0"/>
-              <a:t>3/31/16</a:t>
+              <a:t>4/14/16</a:t>
             </a:fld>
             <a:endParaRPr lang="en-US"/>
           </a:p>
@@ -1891,7 +1892,7 @@
           <a:p>
             <a:fld id="{82766180-1F8B-C44D-859B-E66BA4E6A7CD}" type="datetimeFigureOut">
               <a:rPr lang="en-US" smtClean="0"/>
-              <a:t>3/31/16</a:t>
+              <a:t>4/14/16</a:t>
             </a:fld>
             <a:endParaRPr lang="en-US"/>
           </a:p>
@@ -1986,7 +1987,7 @@
           <a:p>
             <a:fld id="{82766180-1F8B-C44D-859B-E66BA4E6A7CD}" type="datetimeFigureOut">
               <a:rPr lang="en-US" smtClean="0"/>
-              <a:t>3/31/16</a:t>
+              <a:t>4/14/16</a:t>
             </a:fld>
             <a:endParaRPr lang="en-US"/>
           </a:p>
@@ -2263,7 +2264,7 @@
           <a:p>
             <a:fld id="{82766180-1F8B-C44D-859B-E66BA4E6A7CD}" type="datetimeFigureOut">
               <a:rPr lang="en-US" smtClean="0"/>
-              <a:t>3/31/16</a:t>
+              <a:t>4/14/16</a:t>
             </a:fld>
             <a:endParaRPr lang="en-US"/>
           </a:p>
@@ -2516,7 +2517,7 @@
           <a:p>
             <a:fld id="{82766180-1F8B-C44D-859B-E66BA4E6A7CD}" type="datetimeFigureOut">
               <a:rPr lang="en-US" smtClean="0"/>
-              <a:t>3/31/16</a:t>
+              <a:t>4/14/16</a:t>
             </a:fld>
             <a:endParaRPr lang="en-US"/>
           </a:p>
@@ -2729,7 +2730,7 @@
           <a:p>
             <a:fld id="{82766180-1F8B-C44D-859B-E66BA4E6A7CD}" type="datetimeFigureOut">
               <a:rPr lang="en-US" smtClean="0"/>
-              <a:t>3/31/16</a:t>
+              <a:t>4/14/16</a:t>
             </a:fld>
             <a:endParaRPr lang="en-US"/>
           </a:p>
@@ -3135,11 +3136,7 @@
             </a:br>
             <a:r>
               <a:rPr lang="en-US" sz="6000" dirty="0" smtClean="0"/>
-              <a:t>IT </a:t>
-            </a:r>
-            <a:r>
-              <a:rPr lang="en-US" sz="6000" dirty="0" smtClean="0"/>
-              <a:t>Infrastructure</a:t>
+              <a:t>IT Infrastructure</a:t>
             </a:r>
             <a:br>
               <a:rPr lang="en-US" sz="6000" dirty="0" smtClean="0"/>
@@ -3248,14 +3245,12 @@
         </p:nvSpPr>
         <p:spPr/>
         <p:txBody>
-          <a:bodyPr>
-            <a:normAutofit/>
-          </a:bodyPr>
-          <a:lstStyle/>
-          <a:p>
-            <a:r>
-              <a:rPr lang="en-US" dirty="0" smtClean="0"/>
-              <a:t>Homework</a:t>
+          <a:bodyPr/>
+          <a:lstStyle/>
+          <a:p>
+            <a:r>
+              <a:rPr lang="en-US" dirty="0" smtClean="0"/>
+              <a:t>Deployment strategies</a:t>
             </a:r>
             <a:endParaRPr lang="en-US" dirty="0"/>
           </a:p>
@@ -3274,9 +3269,836 @@
         <p:spPr>
           <a:xfrm>
             <a:off x="457200" y="1600200"/>
-            <a:ext cx="8229600" cy="4920629"/>
-          </a:xfrm>
-        </p:spPr>
+            <a:ext cx="5051320" cy="4806545"/>
+          </a:xfrm>
+        </p:spPr>
+        <p:txBody>
+          <a:bodyPr>
+            <a:normAutofit fontScale="85000" lnSpcReduction="20000"/>
+          </a:bodyPr>
+          <a:lstStyle/>
+          <a:p>
+            <a:r>
+              <a:rPr lang="en-US" dirty="0" smtClean="0"/>
+              <a:t>Blue Green Deployment</a:t>
+            </a:r>
+          </a:p>
+          <a:p>
+            <a:pPr lvl="1"/>
+            <a:r>
+              <a:rPr lang="en-US" dirty="0" smtClean="0"/>
+              <a:t>Application is deployed to a completely new production environment in parallel</a:t>
+            </a:r>
+          </a:p>
+          <a:p>
+            <a:pPr lvl="1"/>
+            <a:r>
+              <a:rPr lang="en-US" dirty="0" smtClean="0"/>
+              <a:t>Benefits:</a:t>
+            </a:r>
+          </a:p>
+          <a:p>
+            <a:pPr lvl="2"/>
+            <a:r>
+              <a:rPr lang="en-US" dirty="0" smtClean="0"/>
+              <a:t>Maintains health of service</a:t>
+            </a:r>
+          </a:p>
+          <a:p>
+            <a:pPr lvl="2"/>
+            <a:r>
+              <a:rPr lang="en-US" dirty="0" smtClean="0"/>
+              <a:t>Rapid cut-over deployment</a:t>
+            </a:r>
+          </a:p>
+          <a:p>
+            <a:pPr lvl="2"/>
+            <a:r>
+              <a:rPr lang="en-US" dirty="0" smtClean="0"/>
+              <a:t>Ability to test complete deployment in production</a:t>
+            </a:r>
+          </a:p>
+          <a:p>
+            <a:pPr lvl="2"/>
+            <a:r>
+              <a:rPr lang="en-US" dirty="0" smtClean="0"/>
+              <a:t>Easy to perform full rollback</a:t>
+            </a:r>
+          </a:p>
+          <a:p>
+            <a:pPr lvl="1"/>
+            <a:r>
+              <a:rPr lang="en-US" dirty="0" smtClean="0"/>
+              <a:t>Problems:</a:t>
+            </a:r>
+          </a:p>
+          <a:p>
+            <a:pPr lvl="2"/>
+            <a:r>
+              <a:rPr lang="en-US" dirty="0" smtClean="0"/>
+              <a:t>Requires significant automation and orchestration capability</a:t>
+            </a:r>
+          </a:p>
+          <a:p>
+            <a:pPr lvl="2"/>
+            <a:r>
+              <a:rPr lang="en-US" dirty="0" smtClean="0"/>
+              <a:t>Extra cost, but manageable with cloud instances</a:t>
+            </a:r>
+          </a:p>
+          <a:p>
+            <a:pPr marL="914400" lvl="2" indent="0">
+              <a:buNone/>
+            </a:pPr>
+            <a:endParaRPr lang="en-US" dirty="0" smtClean="0"/>
+          </a:p>
+        </p:txBody>
+      </p:sp>
+      <p:sp>
+        <p:nvSpPr>
+          <p:cNvPr id="6" name="Rectangle 5"/>
+          <p:cNvSpPr/>
+          <p:nvPr/>
+        </p:nvSpPr>
+        <p:spPr>
+          <a:xfrm>
+            <a:off x="6098731" y="2630637"/>
+            <a:ext cx="371040" cy="399530"/>
+          </a:xfrm>
+          <a:prstGeom prst="rect">
+            <a:avLst/>
+          </a:prstGeom>
+          <a:solidFill>
+            <a:srgbClr val="0000FF"/>
+          </a:solidFill>
+        </p:spPr>
+        <p:style>
+          <a:lnRef idx="1">
+            <a:schemeClr val="accent1"/>
+          </a:lnRef>
+          <a:fillRef idx="3">
+            <a:schemeClr val="accent1"/>
+          </a:fillRef>
+          <a:effectRef idx="2">
+            <a:schemeClr val="accent1"/>
+          </a:effectRef>
+          <a:fontRef idx="minor">
+            <a:schemeClr val="lt1"/>
+          </a:fontRef>
+        </p:style>
+        <p:txBody>
+          <a:bodyPr rtlCol="0" anchor="ctr"/>
+          <a:lstStyle/>
+          <a:p>
+            <a:pPr algn="ctr"/>
+            <a:r>
+              <a:rPr lang="en-US" dirty="0" smtClean="0"/>
+              <a:t>2</a:t>
+            </a:r>
+            <a:endParaRPr lang="en-US" dirty="0"/>
+          </a:p>
+        </p:txBody>
+      </p:sp>
+      <p:sp>
+        <p:nvSpPr>
+          <p:cNvPr id="13" name="Rectangle 12"/>
+          <p:cNvSpPr/>
+          <p:nvPr/>
+        </p:nvSpPr>
+        <p:spPr>
+          <a:xfrm>
+            <a:off x="6579894" y="2640348"/>
+            <a:ext cx="371040" cy="399530"/>
+          </a:xfrm>
+          <a:prstGeom prst="rect">
+            <a:avLst/>
+          </a:prstGeom>
+          <a:solidFill>
+            <a:srgbClr val="0000FF"/>
+          </a:solidFill>
+        </p:spPr>
+        <p:style>
+          <a:lnRef idx="1">
+            <a:schemeClr val="accent1"/>
+          </a:lnRef>
+          <a:fillRef idx="3">
+            <a:schemeClr val="accent1"/>
+          </a:fillRef>
+          <a:effectRef idx="2">
+            <a:schemeClr val="accent1"/>
+          </a:effectRef>
+          <a:fontRef idx="minor">
+            <a:schemeClr val="lt1"/>
+          </a:fontRef>
+        </p:style>
+        <p:txBody>
+          <a:bodyPr rtlCol="0" anchor="ctr"/>
+          <a:lstStyle/>
+          <a:p>
+            <a:pPr algn="ctr"/>
+            <a:r>
+              <a:rPr lang="en-US" dirty="0" smtClean="0"/>
+              <a:t>3</a:t>
+            </a:r>
+            <a:endParaRPr lang="en-US" dirty="0"/>
+          </a:p>
+        </p:txBody>
+      </p:sp>
+      <p:sp>
+        <p:nvSpPr>
+          <p:cNvPr id="14" name="Rectangle 13"/>
+          <p:cNvSpPr/>
+          <p:nvPr/>
+        </p:nvSpPr>
+        <p:spPr>
+          <a:xfrm>
+            <a:off x="7298014" y="2640348"/>
+            <a:ext cx="371040" cy="399530"/>
+          </a:xfrm>
+          <a:prstGeom prst="rect">
+            <a:avLst/>
+          </a:prstGeom>
+          <a:solidFill>
+            <a:srgbClr val="008000"/>
+          </a:solidFill>
+        </p:spPr>
+        <p:style>
+          <a:lnRef idx="1">
+            <a:schemeClr val="accent1"/>
+          </a:lnRef>
+          <a:fillRef idx="3">
+            <a:schemeClr val="accent1"/>
+          </a:fillRef>
+          <a:effectRef idx="2">
+            <a:schemeClr val="accent1"/>
+          </a:effectRef>
+          <a:fontRef idx="minor">
+            <a:schemeClr val="lt1"/>
+          </a:fontRef>
+        </p:style>
+        <p:txBody>
+          <a:bodyPr rtlCol="0" anchor="ctr"/>
+          <a:lstStyle/>
+          <a:p>
+            <a:pPr algn="ctr"/>
+            <a:r>
+              <a:rPr lang="en-US" dirty="0" smtClean="0"/>
+              <a:t>1</a:t>
+            </a:r>
+            <a:endParaRPr lang="en-US" dirty="0"/>
+          </a:p>
+        </p:txBody>
+      </p:sp>
+      <p:sp>
+        <p:nvSpPr>
+          <p:cNvPr id="15" name="Rectangle 14"/>
+          <p:cNvSpPr/>
+          <p:nvPr/>
+        </p:nvSpPr>
+        <p:spPr>
+          <a:xfrm>
+            <a:off x="7788336" y="2640348"/>
+            <a:ext cx="371040" cy="399530"/>
+          </a:xfrm>
+          <a:prstGeom prst="rect">
+            <a:avLst/>
+          </a:prstGeom>
+          <a:solidFill>
+            <a:srgbClr val="008000"/>
+          </a:solidFill>
+        </p:spPr>
+        <p:style>
+          <a:lnRef idx="1">
+            <a:schemeClr val="accent1"/>
+          </a:lnRef>
+          <a:fillRef idx="3">
+            <a:schemeClr val="accent1"/>
+          </a:fillRef>
+          <a:effectRef idx="2">
+            <a:schemeClr val="accent1"/>
+          </a:effectRef>
+          <a:fontRef idx="minor">
+            <a:schemeClr val="lt1"/>
+          </a:fontRef>
+        </p:style>
+        <p:txBody>
+          <a:bodyPr rtlCol="0" anchor="ctr"/>
+          <a:lstStyle/>
+          <a:p>
+            <a:pPr algn="ctr"/>
+            <a:r>
+              <a:rPr lang="en-US" dirty="0"/>
+              <a:t>2</a:t>
+            </a:r>
+          </a:p>
+        </p:txBody>
+      </p:sp>
+      <p:sp>
+        <p:nvSpPr>
+          <p:cNvPr id="16" name="Rectangle 15"/>
+          <p:cNvSpPr/>
+          <p:nvPr/>
+        </p:nvSpPr>
+        <p:spPr>
+          <a:xfrm>
+            <a:off x="8273006" y="2640348"/>
+            <a:ext cx="371040" cy="399530"/>
+          </a:xfrm>
+          <a:prstGeom prst="rect">
+            <a:avLst/>
+          </a:prstGeom>
+          <a:solidFill>
+            <a:srgbClr val="008000"/>
+          </a:solidFill>
+        </p:spPr>
+        <p:style>
+          <a:lnRef idx="1">
+            <a:schemeClr val="accent1"/>
+          </a:lnRef>
+          <a:fillRef idx="3">
+            <a:schemeClr val="accent1"/>
+          </a:fillRef>
+          <a:effectRef idx="2">
+            <a:schemeClr val="accent1"/>
+          </a:effectRef>
+          <a:fontRef idx="minor">
+            <a:schemeClr val="lt1"/>
+          </a:fontRef>
+        </p:style>
+        <p:txBody>
+          <a:bodyPr rtlCol="0" anchor="ctr"/>
+          <a:lstStyle/>
+          <a:p>
+            <a:pPr algn="ctr"/>
+            <a:r>
+              <a:rPr lang="en-US" dirty="0"/>
+              <a:t>3</a:t>
+            </a:r>
+          </a:p>
+        </p:txBody>
+      </p:sp>
+      <p:sp>
+        <p:nvSpPr>
+          <p:cNvPr id="17" name="Rectangle 16"/>
+          <p:cNvSpPr/>
+          <p:nvPr/>
+        </p:nvSpPr>
+        <p:spPr>
+          <a:xfrm>
+            <a:off x="5608412" y="2630637"/>
+            <a:ext cx="371040" cy="399530"/>
+          </a:xfrm>
+          <a:prstGeom prst="rect">
+            <a:avLst/>
+          </a:prstGeom>
+          <a:solidFill>
+            <a:srgbClr val="0000FF"/>
+          </a:solidFill>
+        </p:spPr>
+        <p:style>
+          <a:lnRef idx="1">
+            <a:schemeClr val="accent1"/>
+          </a:lnRef>
+          <a:fillRef idx="3">
+            <a:schemeClr val="accent1"/>
+          </a:fillRef>
+          <a:effectRef idx="2">
+            <a:schemeClr val="accent1"/>
+          </a:effectRef>
+          <a:fontRef idx="minor">
+            <a:schemeClr val="lt1"/>
+          </a:fontRef>
+        </p:style>
+        <p:txBody>
+          <a:bodyPr rtlCol="0" anchor="ctr"/>
+          <a:lstStyle/>
+          <a:p>
+            <a:pPr algn="ctr"/>
+            <a:r>
+              <a:rPr lang="en-US" dirty="0" smtClean="0"/>
+              <a:t>1</a:t>
+            </a:r>
+            <a:endParaRPr lang="en-US" dirty="0"/>
+          </a:p>
+        </p:txBody>
+      </p:sp>
+      <p:sp>
+        <p:nvSpPr>
+          <p:cNvPr id="4" name="Rectangle 3"/>
+          <p:cNvSpPr/>
+          <p:nvPr/>
+        </p:nvSpPr>
+        <p:spPr>
+          <a:xfrm>
+            <a:off x="6179246" y="1662330"/>
+            <a:ext cx="1980130" cy="442336"/>
+          </a:xfrm>
+          <a:prstGeom prst="rect">
+            <a:avLst/>
+          </a:prstGeom>
+          <a:solidFill>
+            <a:srgbClr val="FF6600"/>
+          </a:solidFill>
+        </p:spPr>
+        <p:style>
+          <a:lnRef idx="1">
+            <a:schemeClr val="accent1"/>
+          </a:lnRef>
+          <a:fillRef idx="3">
+            <a:schemeClr val="accent1"/>
+          </a:fillRef>
+          <a:effectRef idx="2">
+            <a:schemeClr val="accent1"/>
+          </a:effectRef>
+          <a:fontRef idx="minor">
+            <a:schemeClr val="lt1"/>
+          </a:fontRef>
+        </p:style>
+        <p:txBody>
+          <a:bodyPr rtlCol="0" anchor="ctr"/>
+          <a:lstStyle/>
+          <a:p>
+            <a:pPr algn="ctr"/>
+            <a:r>
+              <a:rPr lang="en-US" dirty="0" err="1" smtClean="0"/>
+              <a:t>App.com</a:t>
+            </a:r>
+            <a:r>
+              <a:rPr lang="en-US" dirty="0" smtClean="0"/>
+              <a:t> Domain</a:t>
+            </a:r>
+            <a:endParaRPr lang="en-US" dirty="0"/>
+          </a:p>
+        </p:txBody>
+      </p:sp>
+      <p:cxnSp>
+        <p:nvCxnSpPr>
+          <p:cNvPr id="7" name="Straight Arrow Connector 6"/>
+          <p:cNvCxnSpPr>
+            <a:stCxn id="4" idx="2"/>
+          </p:cNvCxnSpPr>
+          <p:nvPr/>
+        </p:nvCxnSpPr>
+        <p:spPr>
+          <a:xfrm flipH="1">
+            <a:off x="6364766" y="2104666"/>
+            <a:ext cx="804545" cy="420933"/>
+          </a:xfrm>
+          <a:prstGeom prst="straightConnector1">
+            <a:avLst/>
+          </a:prstGeom>
+          <a:ln>
+            <a:tailEnd type="arrow"/>
+          </a:ln>
+        </p:spPr>
+        <p:style>
+          <a:lnRef idx="2">
+            <a:schemeClr val="accent1"/>
+          </a:lnRef>
+          <a:fillRef idx="0">
+            <a:schemeClr val="accent1"/>
+          </a:fillRef>
+          <a:effectRef idx="1">
+            <a:schemeClr val="accent1"/>
+          </a:effectRef>
+          <a:fontRef idx="minor">
+            <a:schemeClr val="tx1"/>
+          </a:fontRef>
+        </p:style>
+      </p:cxnSp>
+      <p:sp>
+        <p:nvSpPr>
+          <p:cNvPr id="40" name="Rectangle 39"/>
+          <p:cNvSpPr/>
+          <p:nvPr/>
+        </p:nvSpPr>
+        <p:spPr>
+          <a:xfrm>
+            <a:off x="6137977" y="5206774"/>
+            <a:ext cx="371040" cy="399530"/>
+          </a:xfrm>
+          <a:prstGeom prst="rect">
+            <a:avLst/>
+          </a:prstGeom>
+          <a:solidFill>
+            <a:srgbClr val="0000FF"/>
+          </a:solidFill>
+        </p:spPr>
+        <p:style>
+          <a:lnRef idx="1">
+            <a:schemeClr val="accent1"/>
+          </a:lnRef>
+          <a:fillRef idx="3">
+            <a:schemeClr val="accent1"/>
+          </a:fillRef>
+          <a:effectRef idx="2">
+            <a:schemeClr val="accent1"/>
+          </a:effectRef>
+          <a:fontRef idx="minor">
+            <a:schemeClr val="lt1"/>
+          </a:fontRef>
+        </p:style>
+        <p:txBody>
+          <a:bodyPr rtlCol="0" anchor="ctr"/>
+          <a:lstStyle/>
+          <a:p>
+            <a:pPr algn="ctr"/>
+            <a:r>
+              <a:rPr lang="en-US" dirty="0" smtClean="0"/>
+              <a:t>2</a:t>
+            </a:r>
+            <a:endParaRPr lang="en-US" dirty="0"/>
+          </a:p>
+        </p:txBody>
+      </p:sp>
+      <p:sp>
+        <p:nvSpPr>
+          <p:cNvPr id="43" name="Rectangle 42"/>
+          <p:cNvSpPr/>
+          <p:nvPr/>
+        </p:nvSpPr>
+        <p:spPr>
+          <a:xfrm>
+            <a:off x="6619140" y="5216485"/>
+            <a:ext cx="371040" cy="399530"/>
+          </a:xfrm>
+          <a:prstGeom prst="rect">
+            <a:avLst/>
+          </a:prstGeom>
+          <a:solidFill>
+            <a:srgbClr val="0000FF"/>
+          </a:solidFill>
+        </p:spPr>
+        <p:style>
+          <a:lnRef idx="1">
+            <a:schemeClr val="accent1"/>
+          </a:lnRef>
+          <a:fillRef idx="3">
+            <a:schemeClr val="accent1"/>
+          </a:fillRef>
+          <a:effectRef idx="2">
+            <a:schemeClr val="accent1"/>
+          </a:effectRef>
+          <a:fontRef idx="minor">
+            <a:schemeClr val="lt1"/>
+          </a:fontRef>
+        </p:style>
+        <p:txBody>
+          <a:bodyPr rtlCol="0" anchor="ctr"/>
+          <a:lstStyle/>
+          <a:p>
+            <a:pPr algn="ctr"/>
+            <a:r>
+              <a:rPr lang="en-US" dirty="0" smtClean="0"/>
+              <a:t>3</a:t>
+            </a:r>
+            <a:endParaRPr lang="en-US" dirty="0"/>
+          </a:p>
+        </p:txBody>
+      </p:sp>
+      <p:sp>
+        <p:nvSpPr>
+          <p:cNvPr id="44" name="Rectangle 43"/>
+          <p:cNvSpPr/>
+          <p:nvPr/>
+        </p:nvSpPr>
+        <p:spPr>
+          <a:xfrm>
+            <a:off x="7337260" y="5216485"/>
+            <a:ext cx="371040" cy="399530"/>
+          </a:xfrm>
+          <a:prstGeom prst="rect">
+            <a:avLst/>
+          </a:prstGeom>
+          <a:solidFill>
+            <a:srgbClr val="008000"/>
+          </a:solidFill>
+        </p:spPr>
+        <p:style>
+          <a:lnRef idx="1">
+            <a:schemeClr val="accent1"/>
+          </a:lnRef>
+          <a:fillRef idx="3">
+            <a:schemeClr val="accent1"/>
+          </a:fillRef>
+          <a:effectRef idx="2">
+            <a:schemeClr val="accent1"/>
+          </a:effectRef>
+          <a:fontRef idx="minor">
+            <a:schemeClr val="lt1"/>
+          </a:fontRef>
+        </p:style>
+        <p:txBody>
+          <a:bodyPr rtlCol="0" anchor="ctr"/>
+          <a:lstStyle/>
+          <a:p>
+            <a:pPr algn="ctr"/>
+            <a:r>
+              <a:rPr lang="en-US" dirty="0" smtClean="0"/>
+              <a:t>1</a:t>
+            </a:r>
+            <a:endParaRPr lang="en-US" dirty="0"/>
+          </a:p>
+        </p:txBody>
+      </p:sp>
+      <p:sp>
+        <p:nvSpPr>
+          <p:cNvPr id="46" name="Rectangle 45"/>
+          <p:cNvSpPr/>
+          <p:nvPr/>
+        </p:nvSpPr>
+        <p:spPr>
+          <a:xfrm>
+            <a:off x="7827582" y="5216485"/>
+            <a:ext cx="371040" cy="399530"/>
+          </a:xfrm>
+          <a:prstGeom prst="rect">
+            <a:avLst/>
+          </a:prstGeom>
+          <a:solidFill>
+            <a:srgbClr val="008000"/>
+          </a:solidFill>
+        </p:spPr>
+        <p:style>
+          <a:lnRef idx="1">
+            <a:schemeClr val="accent1"/>
+          </a:lnRef>
+          <a:fillRef idx="3">
+            <a:schemeClr val="accent1"/>
+          </a:fillRef>
+          <a:effectRef idx="2">
+            <a:schemeClr val="accent1"/>
+          </a:effectRef>
+          <a:fontRef idx="minor">
+            <a:schemeClr val="lt1"/>
+          </a:fontRef>
+        </p:style>
+        <p:txBody>
+          <a:bodyPr rtlCol="0" anchor="ctr"/>
+          <a:lstStyle/>
+          <a:p>
+            <a:pPr algn="ctr"/>
+            <a:r>
+              <a:rPr lang="en-US" dirty="0"/>
+              <a:t>2</a:t>
+            </a:r>
+          </a:p>
+        </p:txBody>
+      </p:sp>
+      <p:sp>
+        <p:nvSpPr>
+          <p:cNvPr id="47" name="Rectangle 46"/>
+          <p:cNvSpPr/>
+          <p:nvPr/>
+        </p:nvSpPr>
+        <p:spPr>
+          <a:xfrm>
+            <a:off x="8312252" y="5216485"/>
+            <a:ext cx="371040" cy="399530"/>
+          </a:xfrm>
+          <a:prstGeom prst="rect">
+            <a:avLst/>
+          </a:prstGeom>
+          <a:solidFill>
+            <a:srgbClr val="008000"/>
+          </a:solidFill>
+        </p:spPr>
+        <p:style>
+          <a:lnRef idx="1">
+            <a:schemeClr val="accent1"/>
+          </a:lnRef>
+          <a:fillRef idx="3">
+            <a:schemeClr val="accent1"/>
+          </a:fillRef>
+          <a:effectRef idx="2">
+            <a:schemeClr val="accent1"/>
+          </a:effectRef>
+          <a:fontRef idx="minor">
+            <a:schemeClr val="lt1"/>
+          </a:fontRef>
+        </p:style>
+        <p:txBody>
+          <a:bodyPr rtlCol="0" anchor="ctr"/>
+          <a:lstStyle/>
+          <a:p>
+            <a:pPr algn="ctr"/>
+            <a:r>
+              <a:rPr lang="en-US" dirty="0"/>
+              <a:t>3</a:t>
+            </a:r>
+          </a:p>
+        </p:txBody>
+      </p:sp>
+      <p:sp>
+        <p:nvSpPr>
+          <p:cNvPr id="48" name="Rectangle 47"/>
+          <p:cNvSpPr/>
+          <p:nvPr/>
+        </p:nvSpPr>
+        <p:spPr>
+          <a:xfrm>
+            <a:off x="5647658" y="5206774"/>
+            <a:ext cx="371040" cy="399530"/>
+          </a:xfrm>
+          <a:prstGeom prst="rect">
+            <a:avLst/>
+          </a:prstGeom>
+          <a:solidFill>
+            <a:srgbClr val="0000FF"/>
+          </a:solidFill>
+        </p:spPr>
+        <p:style>
+          <a:lnRef idx="1">
+            <a:schemeClr val="accent1"/>
+          </a:lnRef>
+          <a:fillRef idx="3">
+            <a:schemeClr val="accent1"/>
+          </a:fillRef>
+          <a:effectRef idx="2">
+            <a:schemeClr val="accent1"/>
+          </a:effectRef>
+          <a:fontRef idx="minor">
+            <a:schemeClr val="lt1"/>
+          </a:fontRef>
+        </p:style>
+        <p:txBody>
+          <a:bodyPr rtlCol="0" anchor="ctr"/>
+          <a:lstStyle/>
+          <a:p>
+            <a:pPr algn="ctr"/>
+            <a:r>
+              <a:rPr lang="en-US" dirty="0" smtClean="0"/>
+              <a:t>1</a:t>
+            </a:r>
+            <a:endParaRPr lang="en-US" dirty="0"/>
+          </a:p>
+        </p:txBody>
+      </p:sp>
+      <p:sp>
+        <p:nvSpPr>
+          <p:cNvPr id="49" name="Rectangle 48"/>
+          <p:cNvSpPr/>
+          <p:nvPr/>
+        </p:nvSpPr>
+        <p:spPr>
+          <a:xfrm>
+            <a:off x="6218492" y="4238467"/>
+            <a:ext cx="1980130" cy="442336"/>
+          </a:xfrm>
+          <a:prstGeom prst="rect">
+            <a:avLst/>
+          </a:prstGeom>
+          <a:solidFill>
+            <a:srgbClr val="FF6600"/>
+          </a:solidFill>
+        </p:spPr>
+        <p:style>
+          <a:lnRef idx="1">
+            <a:schemeClr val="accent1"/>
+          </a:lnRef>
+          <a:fillRef idx="3">
+            <a:schemeClr val="accent1"/>
+          </a:fillRef>
+          <a:effectRef idx="2">
+            <a:schemeClr val="accent1"/>
+          </a:effectRef>
+          <a:fontRef idx="minor">
+            <a:schemeClr val="lt1"/>
+          </a:fontRef>
+        </p:style>
+        <p:txBody>
+          <a:bodyPr rtlCol="0" anchor="ctr"/>
+          <a:lstStyle/>
+          <a:p>
+            <a:pPr algn="ctr"/>
+            <a:r>
+              <a:rPr lang="en-US" dirty="0" err="1" smtClean="0"/>
+              <a:t>App.com</a:t>
+            </a:r>
+            <a:r>
+              <a:rPr lang="en-US" dirty="0" smtClean="0"/>
+              <a:t> Domain</a:t>
+            </a:r>
+            <a:endParaRPr lang="en-US" dirty="0"/>
+          </a:p>
+        </p:txBody>
+      </p:sp>
+      <p:cxnSp>
+        <p:nvCxnSpPr>
+          <p:cNvPr id="50" name="Straight Arrow Connector 49"/>
+          <p:cNvCxnSpPr>
+            <a:stCxn id="49" idx="2"/>
+          </p:cNvCxnSpPr>
+          <p:nvPr/>
+        </p:nvCxnSpPr>
+        <p:spPr>
+          <a:xfrm>
+            <a:off x="7208557" y="4680803"/>
+            <a:ext cx="783078" cy="420933"/>
+          </a:xfrm>
+          <a:prstGeom prst="straightConnector1">
+            <a:avLst/>
+          </a:prstGeom>
+          <a:ln>
+            <a:tailEnd type="arrow"/>
+          </a:ln>
+        </p:spPr>
+        <p:style>
+          <a:lnRef idx="2">
+            <a:schemeClr val="accent1"/>
+          </a:lnRef>
+          <a:fillRef idx="0">
+            <a:schemeClr val="accent1"/>
+          </a:fillRef>
+          <a:effectRef idx="1">
+            <a:schemeClr val="accent1"/>
+          </a:effectRef>
+          <a:fontRef idx="minor">
+            <a:schemeClr val="tx1"/>
+          </a:fontRef>
+        </p:style>
+      </p:cxnSp>
+    </p:spTree>
+    <p:extLst>
+      <p:ext uri="{BB962C8B-B14F-4D97-AF65-F5344CB8AC3E}">
+        <p14:creationId xmlns:p14="http://schemas.microsoft.com/office/powerpoint/2010/main" val="3192762345"/>
+      </p:ext>
+    </p:extLst>
+  </p:cSld>
+  <p:clrMapOvr>
+    <a:masterClrMapping/>
+  </p:clrMapOvr>
+</p:sld>
+</file>
+
+<file path=ppt/slides/slide11.xml><?xml version="1.0" encoding="utf-8"?>
+<p:sld xmlns:a="http://schemas.openxmlformats.org/drawingml/2006/main" xmlns:r="http://schemas.openxmlformats.org/officeDocument/2006/relationships" xmlns:p="http://schemas.openxmlformats.org/presentationml/2006/main">
+  <p:cSld>
+    <p:spTree>
+      <p:nvGrpSpPr>
+        <p:cNvPr id="1" name=""/>
+        <p:cNvGrpSpPr/>
+        <p:nvPr/>
+      </p:nvGrpSpPr>
+      <p:grpSpPr>
+        <a:xfrm>
+          <a:off x="0" y="0"/>
+          <a:ext cx="0" cy="0"/>
+          <a:chOff x="0" y="0"/>
+          <a:chExt cx="0" cy="0"/>
+        </a:xfrm>
+      </p:grpSpPr>
+      <p:sp>
+        <p:nvSpPr>
+          <p:cNvPr id="2" name="Title 1"/>
+          <p:cNvSpPr>
+            <a:spLocks noGrp="1"/>
+          </p:cNvSpPr>
+          <p:nvPr>
+            <p:ph type="title"/>
+          </p:nvPr>
+        </p:nvSpPr>
+        <p:spPr/>
         <p:txBody>
           <a:bodyPr>
             <a:normAutofit/>
@@ -3285,11 +4107,37 @@
           <a:p>
             <a:r>
               <a:rPr lang="en-US" dirty="0" smtClean="0"/>
-              <a:t>Assignment </a:t>
-            </a:r>
-            <a:r>
-              <a:rPr lang="en-US" dirty="0" smtClean="0"/>
-              <a:t>X</a:t>
+              <a:t>Homework</a:t>
+            </a:r>
+            <a:endParaRPr lang="en-US" dirty="0"/>
+          </a:p>
+        </p:txBody>
+      </p:sp>
+      <p:sp>
+        <p:nvSpPr>
+          <p:cNvPr id="3" name="Content Placeholder 2"/>
+          <p:cNvSpPr>
+            <a:spLocks noGrp="1"/>
+          </p:cNvSpPr>
+          <p:nvPr>
+            <p:ph idx="1"/>
+          </p:nvPr>
+        </p:nvSpPr>
+        <p:spPr>
+          <a:xfrm>
+            <a:off x="457200" y="1600200"/>
+            <a:ext cx="8229600" cy="4920629"/>
+          </a:xfrm>
+        </p:spPr>
+        <p:txBody>
+          <a:bodyPr>
+            <a:normAutofit/>
+          </a:bodyPr>
+          <a:lstStyle/>
+          <a:p>
+            <a:r>
+              <a:rPr lang="en-US" dirty="0" smtClean="0"/>
+              <a:t>Assignment X</a:t>
             </a:r>
           </a:p>
           <a:p>
@@ -3392,7 +4240,6 @@
               <a:rPr lang="en-US" dirty="0" smtClean="0"/>
               <a:t>Weekly reading (edit)</a:t>
             </a:r>
-            <a:endParaRPr lang="en-US" dirty="0" smtClean="0"/>
           </a:p>
           <a:p>
             <a:r>
@@ -3421,7 +4268,6 @@
               <a:rPr lang="en-US" dirty="0" smtClean="0"/>
               <a:t>Jenkins</a:t>
             </a:r>
-            <a:endParaRPr lang="en-US" dirty="0" smtClean="0"/>
           </a:p>
         </p:txBody>
       </p:sp>
@@ -3540,76 +4386,34 @@
           <a:chExt cx="0" cy="0"/>
         </a:xfrm>
       </p:grpSpPr>
-      <p:sp>
-        <p:nvSpPr>
-          <p:cNvPr id="2" name="Title 1"/>
-          <p:cNvSpPr>
-            <a:spLocks noGrp="1"/>
-          </p:cNvSpPr>
-          <p:nvPr>
-            <p:ph type="title"/>
-          </p:nvPr>
-        </p:nvSpPr>
-        <p:spPr/>
-        <p:txBody>
-          <a:bodyPr/>
-          <a:lstStyle/>
-          <a:p>
-            <a:r>
-              <a:rPr lang="en-US" dirty="0" smtClean="0"/>
-              <a:t>Deployment strategies</a:t>
-            </a:r>
-            <a:endParaRPr lang="en-US" dirty="0"/>
-          </a:p>
-        </p:txBody>
-      </p:sp>
-      <p:sp>
-        <p:nvSpPr>
-          <p:cNvPr id="3" name="Content Placeholder 2"/>
-          <p:cNvSpPr>
-            <a:spLocks noGrp="1"/>
-          </p:cNvSpPr>
-          <p:nvPr>
-            <p:ph idx="1"/>
-          </p:nvPr>
-        </p:nvSpPr>
-        <p:spPr/>
-        <p:txBody>
-          <a:bodyPr/>
-          <a:lstStyle/>
-          <a:p>
-            <a:r>
-              <a:rPr lang="en-US" dirty="0" smtClean="0"/>
-              <a:t>Question: Once an application is built, how do we deploy it to distributed infrastructure?</a:t>
-            </a:r>
-          </a:p>
-          <a:p>
-            <a:pPr lvl="1"/>
-            <a:r>
-              <a:rPr lang="en-US" dirty="0" smtClean="0"/>
-              <a:t>Strategy for deploying to 1 server very different than 100’s</a:t>
-            </a:r>
-          </a:p>
-          <a:p>
-            <a:pPr lvl="1"/>
-            <a:r>
-              <a:rPr lang="en-US" dirty="0" smtClean="0"/>
-              <a:t>Trade-offs between deployment speed and risk</a:t>
-            </a:r>
-          </a:p>
-          <a:p>
-            <a:pPr lvl="1"/>
-            <a:r>
-              <a:rPr lang="en-US" dirty="0" smtClean="0"/>
-              <a:t>Cloud elasticity and pricing model supports new strategies</a:t>
-            </a:r>
-          </a:p>
-        </p:txBody>
-      </p:sp>
+      <p:pic>
+        <p:nvPicPr>
+          <p:cNvPr id="4" name="Picture 3"/>
+          <p:cNvPicPr>
+            <a:picLocks noChangeAspect="1"/>
+          </p:cNvPicPr>
+          <p:nvPr/>
+        </p:nvPicPr>
+        <p:blipFill>
+          <a:blip r:embed="rId2"/>
+          <a:stretch>
+            <a:fillRect/>
+          </a:stretch>
+        </p:blipFill>
+        <p:spPr>
+          <a:xfrm>
+            <a:off x="0" y="227013"/>
+            <a:ext cx="9144000" cy="6377800"/>
+          </a:xfrm>
+          <a:prstGeom prst="rect">
+            <a:avLst/>
+          </a:prstGeom>
+        </p:spPr>
+      </p:pic>
     </p:spTree>
     <p:extLst>
       <p:ext uri="{BB962C8B-B14F-4D97-AF65-F5344CB8AC3E}">
-        <p14:creationId xmlns:p14="http://schemas.microsoft.com/office/powerpoint/2010/main" val="2352442317"/>
+        <p14:creationId xmlns:p14="http://schemas.microsoft.com/office/powerpoint/2010/main" val="3362777640"/>
       </p:ext>
     </p:extLst>
   </p:cSld>
@@ -3669,206 +4473,43 @@
             <p:ph idx="1"/>
           </p:nvPr>
         </p:nvSpPr>
-        <p:spPr>
-          <a:xfrm>
-            <a:off x="457200" y="1600200"/>
-            <a:ext cx="5051320" cy="4806545"/>
-          </a:xfrm>
-        </p:spPr>
-        <p:txBody>
-          <a:bodyPr>
-            <a:normAutofit fontScale="85000" lnSpcReduction="20000"/>
-          </a:bodyPr>
-          <a:lstStyle/>
-          <a:p>
-            <a:r>
-              <a:rPr lang="en-US" dirty="0" smtClean="0"/>
-              <a:t>Single Server Deployment</a:t>
+        <p:spPr/>
+        <p:txBody>
+          <a:bodyPr/>
+          <a:lstStyle/>
+          <a:p>
+            <a:r>
+              <a:rPr lang="en-US" dirty="0" smtClean="0"/>
+              <a:t>Question: Once an application is built, how do we deploy it to distributed infrastructure?</a:t>
             </a:r>
           </a:p>
           <a:p>
             <a:pPr lvl="1"/>
             <a:r>
               <a:rPr lang="en-US" dirty="0" smtClean="0"/>
-              <a:t>Application is deployed to a single server</a:t>
+              <a:t>Strategy for deploying to 1 server very different than 100’s</a:t>
             </a:r>
           </a:p>
           <a:p>
             <a:pPr lvl="1"/>
             <a:r>
               <a:rPr lang="en-US" dirty="0" smtClean="0"/>
-              <a:t>Very common for testing and small production applications</a:t>
-            </a:r>
-            <a:endParaRPr lang="en-US" dirty="0"/>
+              <a:t>Trade-offs between deployment speed and risk</a:t>
+            </a:r>
           </a:p>
           <a:p>
             <a:pPr lvl="1"/>
             <a:r>
               <a:rPr lang="en-US" dirty="0" smtClean="0"/>
-              <a:t>Benefits:</a:t>
-            </a:r>
-          </a:p>
-          <a:p>
-            <a:pPr lvl="2"/>
-            <a:r>
-              <a:rPr lang="en-US" dirty="0" smtClean="0"/>
-              <a:t>Easy and quick to deploy app on a single server</a:t>
-            </a:r>
-          </a:p>
-          <a:p>
-            <a:pPr lvl="1"/>
-            <a:r>
-              <a:rPr lang="en-US" dirty="0" smtClean="0"/>
-              <a:t>Problems:</a:t>
-            </a:r>
-          </a:p>
-          <a:p>
-            <a:pPr lvl="2"/>
-            <a:r>
-              <a:rPr lang="en-US" dirty="0" smtClean="0"/>
-              <a:t>Service outage occurs during app deployment</a:t>
-            </a:r>
-          </a:p>
-          <a:p>
-            <a:pPr lvl="2"/>
-            <a:r>
-              <a:rPr lang="en-US" dirty="0" smtClean="0"/>
-              <a:t>No ability to test app in production before deployment</a:t>
-            </a:r>
-          </a:p>
-          <a:p>
-            <a:pPr lvl="2"/>
-            <a:r>
-              <a:rPr lang="en-US" dirty="0" smtClean="0"/>
-              <a:t>Rolling back app requires complete reinstallation</a:t>
-            </a:r>
-          </a:p>
-        </p:txBody>
-      </p:sp>
-      <p:sp>
-        <p:nvSpPr>
-          <p:cNvPr id="4" name="Rectangle 3"/>
-          <p:cNvSpPr/>
-          <p:nvPr/>
-        </p:nvSpPr>
-        <p:spPr>
-          <a:xfrm>
-            <a:off x="5508520" y="3053549"/>
-            <a:ext cx="956142" cy="442337"/>
-          </a:xfrm>
-          <a:prstGeom prst="rect">
-            <a:avLst/>
-          </a:prstGeom>
-        </p:spPr>
-        <p:style>
-          <a:lnRef idx="1">
-            <a:schemeClr val="accent1"/>
-          </a:lnRef>
-          <a:fillRef idx="3">
-            <a:schemeClr val="accent1"/>
-          </a:fillRef>
-          <a:effectRef idx="2">
-            <a:schemeClr val="accent1"/>
-          </a:effectRef>
-          <a:fontRef idx="minor">
-            <a:schemeClr val="lt1"/>
-          </a:fontRef>
-        </p:style>
-        <p:txBody>
-          <a:bodyPr rtlCol="0" anchor="ctr"/>
-          <a:lstStyle/>
-          <a:p>
-            <a:pPr algn="ctr"/>
-            <a:r>
-              <a:rPr lang="en-US" dirty="0" smtClean="0"/>
-              <a:t>Build</a:t>
-            </a:r>
-            <a:endParaRPr lang="en-US" dirty="0"/>
-          </a:p>
-        </p:txBody>
-      </p:sp>
-      <p:sp>
-        <p:nvSpPr>
-          <p:cNvPr id="5" name="Rectangle 4"/>
-          <p:cNvSpPr/>
-          <p:nvPr/>
-        </p:nvSpPr>
-        <p:spPr>
-          <a:xfrm>
-            <a:off x="7730658" y="3053549"/>
-            <a:ext cx="956142" cy="442337"/>
-          </a:xfrm>
-          <a:prstGeom prst="rect">
-            <a:avLst/>
-          </a:prstGeom>
-        </p:spPr>
-        <p:style>
-          <a:lnRef idx="1">
-            <a:schemeClr val="accent1"/>
-          </a:lnRef>
-          <a:fillRef idx="3">
-            <a:schemeClr val="accent1"/>
-          </a:fillRef>
-          <a:effectRef idx="2">
-            <a:schemeClr val="accent1"/>
-          </a:effectRef>
-          <a:fontRef idx="minor">
-            <a:schemeClr val="lt1"/>
-          </a:fontRef>
-        </p:style>
-        <p:txBody>
-          <a:bodyPr rtlCol="0" anchor="ctr"/>
-          <a:lstStyle/>
-          <a:p>
-            <a:pPr algn="ctr"/>
-            <a:r>
-              <a:rPr lang="en-US" dirty="0" smtClean="0"/>
-              <a:t>Server</a:t>
-            </a:r>
-            <a:endParaRPr lang="en-US" dirty="0"/>
-          </a:p>
-        </p:txBody>
-      </p:sp>
-      <p:cxnSp>
-        <p:nvCxnSpPr>
-          <p:cNvPr id="7" name="Straight Arrow Connector 6"/>
-          <p:cNvCxnSpPr>
-            <a:stCxn id="4" idx="3"/>
-            <a:endCxn id="5" idx="1"/>
-          </p:cNvCxnSpPr>
-          <p:nvPr/>
-        </p:nvCxnSpPr>
-        <p:spPr>
-          <a:xfrm>
-            <a:off x="6464662" y="3274718"/>
-            <a:ext cx="1265996" cy="0"/>
-          </a:xfrm>
-          <a:prstGeom prst="straightConnector1">
-            <a:avLst/>
-          </a:prstGeom>
-          <a:ln>
-            <a:tailEnd type="arrow"/>
-          </a:ln>
-        </p:spPr>
-        <p:style>
-          <a:lnRef idx="2">
-            <a:schemeClr val="accent1"/>
-          </a:lnRef>
-          <a:fillRef idx="0">
-            <a:schemeClr val="accent1"/>
-          </a:fillRef>
-          <a:effectRef idx="1">
-            <a:schemeClr val="accent1"/>
-          </a:effectRef>
-          <a:fontRef idx="minor">
-            <a:schemeClr val="tx1"/>
-          </a:fontRef>
-        </p:style>
-      </p:cxnSp>
+              <a:t>Cloud elasticity and pricing model supports new strategies</a:t>
+            </a:r>
+          </a:p>
+        </p:txBody>
+      </p:sp>
     </p:spTree>
     <p:extLst>
       <p:ext uri="{BB962C8B-B14F-4D97-AF65-F5344CB8AC3E}">
-        <p14:creationId xmlns:p14="http://schemas.microsoft.com/office/powerpoint/2010/main" val="3495195152"/>
+        <p14:creationId xmlns:p14="http://schemas.microsoft.com/office/powerpoint/2010/main" val="2352442317"/>
       </p:ext>
     </p:extLst>
   </p:cSld>
@@ -3936,27 +4577,27 @@
         </p:spPr>
         <p:txBody>
           <a:bodyPr>
-            <a:normAutofit fontScale="77500" lnSpcReduction="20000"/>
+            <a:normAutofit fontScale="85000" lnSpcReduction="20000"/>
           </a:bodyPr>
           <a:lstStyle/>
           <a:p>
             <a:r>
               <a:rPr lang="en-US" dirty="0" smtClean="0"/>
-              <a:t>Big Bang Deployment</a:t>
+              <a:t>Single Server Deployment</a:t>
             </a:r>
           </a:p>
           <a:p>
             <a:pPr lvl="1"/>
             <a:r>
               <a:rPr lang="en-US" dirty="0" smtClean="0"/>
-              <a:t>Application is deployed to all servers at once</a:t>
+              <a:t>Application is deployed to a single server</a:t>
             </a:r>
           </a:p>
           <a:p>
             <a:pPr lvl="1"/>
             <a:r>
               <a:rPr lang="en-US" dirty="0" smtClean="0"/>
-              <a:t>Common for a small set of servers (2-5)</a:t>
+              <a:t>Very common for testing and small production applications</a:t>
             </a:r>
             <a:endParaRPr lang="en-US" dirty="0"/>
           </a:p>
@@ -3971,7 +4612,7 @@
             <a:pPr lvl="2"/>
             <a:r>
               <a:rPr lang="en-US" dirty="0" smtClean="0"/>
-              <a:t>Quick to deploy app on multiple servers, though requires orchestration</a:t>
+              <a:t>Easy and quick to deploy app on a single server</a:t>
             </a:r>
           </a:p>
           <a:p>
@@ -4101,161 +4742,6 @@
           <a:xfrm>
             <a:off x="6464662" y="3274718"/>
             <a:ext cx="1265996" cy="0"/>
-          </a:xfrm>
-          <a:prstGeom prst="straightConnector1">
-            <a:avLst/>
-          </a:prstGeom>
-          <a:ln>
-            <a:tailEnd type="arrow"/>
-          </a:ln>
-        </p:spPr>
-        <p:style>
-          <a:lnRef idx="2">
-            <a:schemeClr val="accent1"/>
-          </a:lnRef>
-          <a:fillRef idx="0">
-            <a:schemeClr val="accent1"/>
-          </a:fillRef>
-          <a:effectRef idx="1">
-            <a:schemeClr val="accent1"/>
-          </a:effectRef>
-          <a:fontRef idx="minor">
-            <a:schemeClr val="tx1"/>
-          </a:fontRef>
-        </p:style>
-      </p:cxnSp>
-      <p:sp>
-        <p:nvSpPr>
-          <p:cNvPr id="8" name="Rectangle 7"/>
-          <p:cNvSpPr/>
-          <p:nvPr/>
-        </p:nvSpPr>
-        <p:spPr>
-          <a:xfrm>
-            <a:off x="7730658" y="3990740"/>
-            <a:ext cx="956142" cy="442337"/>
-          </a:xfrm>
-          <a:prstGeom prst="rect">
-            <a:avLst/>
-          </a:prstGeom>
-        </p:spPr>
-        <p:style>
-          <a:lnRef idx="1">
-            <a:schemeClr val="accent1"/>
-          </a:lnRef>
-          <a:fillRef idx="3">
-            <a:schemeClr val="accent1"/>
-          </a:fillRef>
-          <a:effectRef idx="2">
-            <a:schemeClr val="accent1"/>
-          </a:effectRef>
-          <a:fontRef idx="minor">
-            <a:schemeClr val="lt1"/>
-          </a:fontRef>
-        </p:style>
-        <p:txBody>
-          <a:bodyPr rtlCol="0" anchor="ctr"/>
-          <a:lstStyle/>
-          <a:p>
-            <a:pPr algn="ctr"/>
-            <a:r>
-              <a:rPr lang="en-US" dirty="0" smtClean="0"/>
-              <a:t>Server</a:t>
-            </a:r>
-            <a:endParaRPr lang="en-US" dirty="0"/>
-          </a:p>
-        </p:txBody>
-      </p:sp>
-      <p:sp>
-        <p:nvSpPr>
-          <p:cNvPr id="9" name="Rectangle 8"/>
-          <p:cNvSpPr/>
-          <p:nvPr/>
-        </p:nvSpPr>
-        <p:spPr>
-          <a:xfrm>
-            <a:off x="7730658" y="2121511"/>
-            <a:ext cx="956142" cy="442337"/>
-          </a:xfrm>
-          <a:prstGeom prst="rect">
-            <a:avLst/>
-          </a:prstGeom>
-        </p:spPr>
-        <p:style>
-          <a:lnRef idx="1">
-            <a:schemeClr val="accent1"/>
-          </a:lnRef>
-          <a:fillRef idx="3">
-            <a:schemeClr val="accent1"/>
-          </a:fillRef>
-          <a:effectRef idx="2">
-            <a:schemeClr val="accent1"/>
-          </a:effectRef>
-          <a:fontRef idx="minor">
-            <a:schemeClr val="lt1"/>
-          </a:fontRef>
-        </p:style>
-        <p:txBody>
-          <a:bodyPr rtlCol="0" anchor="ctr"/>
-          <a:lstStyle/>
-          <a:p>
-            <a:pPr algn="ctr"/>
-            <a:r>
-              <a:rPr lang="en-US" dirty="0" smtClean="0"/>
-              <a:t>Server</a:t>
-            </a:r>
-            <a:endParaRPr lang="en-US" dirty="0"/>
-          </a:p>
-        </p:txBody>
-      </p:sp>
-      <p:cxnSp>
-        <p:nvCxnSpPr>
-          <p:cNvPr id="10" name="Straight Arrow Connector 9"/>
-          <p:cNvCxnSpPr>
-            <a:stCxn id="4" idx="3"/>
-            <a:endCxn id="9" idx="1"/>
-          </p:cNvCxnSpPr>
-          <p:nvPr/>
-        </p:nvCxnSpPr>
-        <p:spPr>
-          <a:xfrm flipV="1">
-            <a:off x="6464662" y="2342680"/>
-            <a:ext cx="1265996" cy="932038"/>
-          </a:xfrm>
-          <a:prstGeom prst="straightConnector1">
-            <a:avLst/>
-          </a:prstGeom>
-          <a:ln>
-            <a:tailEnd type="arrow"/>
-          </a:ln>
-        </p:spPr>
-        <p:style>
-          <a:lnRef idx="2">
-            <a:schemeClr val="accent1"/>
-          </a:lnRef>
-          <a:fillRef idx="0">
-            <a:schemeClr val="accent1"/>
-          </a:fillRef>
-          <a:effectRef idx="1">
-            <a:schemeClr val="accent1"/>
-          </a:effectRef>
-          <a:fontRef idx="minor">
-            <a:schemeClr val="tx1"/>
-          </a:fontRef>
-        </p:style>
-      </p:cxnSp>
-      <p:cxnSp>
-        <p:nvCxnSpPr>
-          <p:cNvPr id="12" name="Straight Arrow Connector 11"/>
-          <p:cNvCxnSpPr>
-            <a:endCxn id="8" idx="1"/>
-          </p:cNvCxnSpPr>
-          <p:nvPr/>
-        </p:nvCxnSpPr>
-        <p:spPr>
-          <a:xfrm>
-            <a:off x="6464662" y="3274718"/>
-            <a:ext cx="1265996" cy="937191"/>
           </a:xfrm>
           <a:prstGeom prst="straightConnector1">
             <a:avLst/>
@@ -4282,7 +4768,7 @@
     </p:spTree>
     <p:extLst>
       <p:ext uri="{BB962C8B-B14F-4D97-AF65-F5344CB8AC3E}">
-        <p14:creationId xmlns:p14="http://schemas.microsoft.com/office/powerpoint/2010/main" val="859339994"/>
+        <p14:creationId xmlns:p14="http://schemas.microsoft.com/office/powerpoint/2010/main" val="3495195152"/>
       </p:ext>
     </p:extLst>
   </p:cSld>
@@ -4350,26 +4836,34 @@
         </p:spPr>
         <p:txBody>
           <a:bodyPr>
-            <a:normAutofit fontScale="85000" lnSpcReduction="20000"/>
+            <a:normAutofit fontScale="77500" lnSpcReduction="20000"/>
           </a:bodyPr>
           <a:lstStyle/>
           <a:p>
             <a:r>
               <a:rPr lang="en-US" dirty="0" smtClean="0"/>
-              <a:t>Minimum-in-service Deployment</a:t>
+              <a:t>Big Bang Deployment</a:t>
             </a:r>
           </a:p>
           <a:p>
             <a:pPr lvl="1"/>
             <a:r>
               <a:rPr lang="en-US" dirty="0" smtClean="0"/>
-              <a:t>Application is deployed in multiple stages with a minimum set of servers supporting service</a:t>
+              <a:t>Application is deployed to all servers at once</a:t>
             </a:r>
           </a:p>
           <a:p>
             <a:pPr lvl="1"/>
             <a:r>
               <a:rPr lang="en-US" dirty="0" smtClean="0"/>
+              <a:t>Common for a small set of servers (2-5)</a:t>
+            </a:r>
+            <a:endParaRPr lang="en-US" dirty="0"/>
+          </a:p>
+          <a:p>
+            <a:pPr lvl="1"/>
+            <a:r>
+              <a:rPr lang="en-US" dirty="0" smtClean="0"/>
               <a:t>Benefits:</a:t>
             </a:r>
           </a:p>
@@ -4377,63 +4871,49 @@
             <a:pPr lvl="2"/>
             <a:r>
               <a:rPr lang="en-US" dirty="0" smtClean="0"/>
-              <a:t>Supports large environments</a:t>
+              <a:t>Quick to deploy app on multiple servers, though requires orchestration</a:t>
+            </a:r>
+          </a:p>
+          <a:p>
+            <a:pPr lvl="1"/>
+            <a:r>
+              <a:rPr lang="en-US" dirty="0" smtClean="0"/>
+              <a:t>Problems:</a:t>
             </a:r>
           </a:p>
           <a:p>
             <a:pPr lvl="2"/>
             <a:r>
               <a:rPr lang="en-US" dirty="0" smtClean="0"/>
-              <a:t>No downtime</a:t>
+              <a:t>Service outage occurs during app deployment</a:t>
             </a:r>
           </a:p>
           <a:p>
             <a:pPr lvl="2"/>
             <a:r>
               <a:rPr lang="en-US" dirty="0" smtClean="0"/>
-              <a:t>Fast, most systems updated</a:t>
+              <a:t>No ability to test app in production before deployment</a:t>
             </a:r>
           </a:p>
           <a:p>
             <a:pPr lvl="2"/>
             <a:r>
               <a:rPr lang="en-US" dirty="0" smtClean="0"/>
-              <a:t>Deployments are tested in production</a:t>
-            </a:r>
-          </a:p>
-          <a:p>
-            <a:pPr lvl="1"/>
-            <a:r>
-              <a:rPr lang="en-US" dirty="0" smtClean="0"/>
-              <a:t>Problems:</a:t>
-            </a:r>
-          </a:p>
-          <a:p>
-            <a:pPr lvl="2"/>
-            <a:r>
-              <a:rPr lang="en-US" dirty="0" smtClean="0"/>
-              <a:t>Requires significant automation and orchestration capabilities</a:t>
-            </a:r>
-          </a:p>
-          <a:p>
-            <a:pPr lvl="2"/>
-            <a:r>
-              <a:rPr lang="en-US" dirty="0" smtClean="0"/>
-              <a:t>May require rollback</a:t>
-            </a:r>
-          </a:p>
-        </p:txBody>
-      </p:sp>
-      <p:sp>
-        <p:nvSpPr>
-          <p:cNvPr id="6" name="Rectangle 5"/>
+              <a:t>Rolling back app requires complete reinstallation</a:t>
+            </a:r>
+          </a:p>
+        </p:txBody>
+      </p:sp>
+      <p:sp>
+        <p:nvSpPr>
+          <p:cNvPr id="4" name="Rectangle 3"/>
           <p:cNvSpPr/>
           <p:nvPr/>
         </p:nvSpPr>
         <p:spPr>
           <a:xfrm>
-            <a:off x="6341338" y="2630637"/>
-            <a:ext cx="371040" cy="399530"/>
+            <a:off x="5508520" y="3053549"/>
+            <a:ext cx="956142" cy="442337"/>
           </a:xfrm>
           <a:prstGeom prst="rect">
             <a:avLst/>
@@ -4460,7 +4940,7 @@
             <a:pPr algn="ctr"/>
             <a:r>
               <a:rPr lang="en-US" dirty="0" smtClean="0"/>
-              <a:t>2</a:t>
+              <a:t>Build</a:t>
             </a:r>
             <a:endParaRPr lang="en-US" dirty="0"/>
           </a:p>
@@ -4468,14 +4948,14 @@
       </p:sp>
       <p:sp>
         <p:nvSpPr>
-          <p:cNvPr id="13" name="Rectangle 12"/>
+          <p:cNvPr id="5" name="Rectangle 4"/>
           <p:cNvSpPr/>
           <p:nvPr/>
         </p:nvSpPr>
         <p:spPr>
           <a:xfrm>
-            <a:off x="6822501" y="2640348"/>
-            <a:ext cx="371040" cy="399530"/>
+            <a:off x="7730658" y="3053549"/>
+            <a:ext cx="956142" cy="442337"/>
           </a:xfrm>
           <a:prstGeom prst="rect">
             <a:avLst/>
@@ -4502,22 +4982,58 @@
             <a:pPr algn="ctr"/>
             <a:r>
               <a:rPr lang="en-US" dirty="0" smtClean="0"/>
-              <a:t>3</a:t>
+              <a:t>Server</a:t>
             </a:r>
             <a:endParaRPr lang="en-US" dirty="0"/>
           </a:p>
         </p:txBody>
       </p:sp>
-      <p:sp>
-        <p:nvSpPr>
-          <p:cNvPr id="14" name="Rectangle 13"/>
+      <p:cxnSp>
+        <p:nvCxnSpPr>
+          <p:cNvPr id="7" name="Straight Arrow Connector 6"/>
+          <p:cNvCxnSpPr>
+            <a:stCxn id="4" idx="3"/>
+            <a:endCxn id="5" idx="1"/>
+          </p:cNvCxnSpPr>
+          <p:nvPr/>
+        </p:nvCxnSpPr>
+        <p:spPr>
+          <a:xfrm>
+            <a:off x="6464662" y="3274718"/>
+            <a:ext cx="1265996" cy="0"/>
+          </a:xfrm>
+          <a:prstGeom prst="straightConnector1">
+            <a:avLst/>
+          </a:prstGeom>
+          <a:ln>
+            <a:tailEnd type="arrow"/>
+          </a:ln>
+        </p:spPr>
+        <p:style>
+          <a:lnRef idx="2">
+            <a:schemeClr val="accent1"/>
+          </a:lnRef>
+          <a:fillRef idx="0">
+            <a:schemeClr val="accent1"/>
+          </a:fillRef>
+          <a:effectRef idx="1">
+            <a:schemeClr val="accent1"/>
+          </a:effectRef>
+          <a:fontRef idx="minor">
+            <a:schemeClr val="tx1"/>
+          </a:fontRef>
+        </p:style>
+      </p:cxnSp>
+      <p:sp>
+        <p:nvSpPr>
+          <p:cNvPr id="8" name="Rectangle 7"/>
           <p:cNvSpPr/>
           <p:nvPr/>
         </p:nvSpPr>
         <p:spPr>
           <a:xfrm>
-            <a:off x="7298014" y="2640348"/>
-            <a:ext cx="371040" cy="399530"/>
+            <a:off x="7730658" y="3990740"/>
+            <a:ext cx="956142" cy="442337"/>
           </a:xfrm>
           <a:prstGeom prst="rect">
             <a:avLst/>
@@ -4543,22 +5059,23 @@
           <a:p>
             <a:pPr algn="ctr"/>
             <a:r>
-              <a:rPr lang="en-US" dirty="0"/>
-              <a:t>4</a:t>
-            </a:r>
-          </a:p>
-        </p:txBody>
-      </p:sp>
-      <p:sp>
-        <p:nvSpPr>
-          <p:cNvPr id="15" name="Rectangle 14"/>
+              <a:rPr lang="en-US" dirty="0" smtClean="0"/>
+              <a:t>Server</a:t>
+            </a:r>
+            <a:endParaRPr lang="en-US" dirty="0"/>
+          </a:p>
+        </p:txBody>
+      </p:sp>
+      <p:sp>
+        <p:nvSpPr>
+          <p:cNvPr id="9" name="Rectangle 8"/>
           <p:cNvSpPr/>
           <p:nvPr/>
         </p:nvSpPr>
         <p:spPr>
           <a:xfrm>
-            <a:off x="7788336" y="2640348"/>
-            <a:ext cx="371040" cy="399530"/>
+            <a:off x="7730658" y="2121511"/>
+            <a:ext cx="956142" cy="442337"/>
           </a:xfrm>
           <a:prstGeom prst="rect">
             <a:avLst/>
@@ -4584,930 +5101,26 @@
           <a:p>
             <a:pPr algn="ctr"/>
             <a:r>
-              <a:rPr lang="en-US" dirty="0"/>
-              <a:t>5</a:t>
-            </a:r>
-          </a:p>
-        </p:txBody>
-      </p:sp>
-      <p:sp>
-        <p:nvSpPr>
-          <p:cNvPr id="16" name="Rectangle 15"/>
-          <p:cNvSpPr/>
-          <p:nvPr/>
-        </p:nvSpPr>
-        <p:spPr>
-          <a:xfrm>
-            <a:off x="8273006" y="2640348"/>
-            <a:ext cx="371040" cy="399530"/>
-          </a:xfrm>
-          <a:prstGeom prst="rect">
-            <a:avLst/>
-          </a:prstGeom>
-        </p:spPr>
-        <p:style>
-          <a:lnRef idx="1">
-            <a:schemeClr val="accent1"/>
-          </a:lnRef>
-          <a:fillRef idx="3">
-            <a:schemeClr val="accent1"/>
-          </a:fillRef>
-          <a:effectRef idx="2">
-            <a:schemeClr val="accent1"/>
-          </a:effectRef>
-          <a:fontRef idx="minor">
-            <a:schemeClr val="lt1"/>
-          </a:fontRef>
-        </p:style>
-        <p:txBody>
-          <a:bodyPr rtlCol="0" anchor="ctr"/>
-          <a:lstStyle/>
-          <a:p>
-            <a:pPr algn="ctr"/>
-            <a:r>
-              <a:rPr lang="en-US" dirty="0"/>
-              <a:t>6</a:t>
-            </a:r>
-          </a:p>
-        </p:txBody>
-      </p:sp>
-      <p:sp>
-        <p:nvSpPr>
-          <p:cNvPr id="17" name="Rectangle 16"/>
-          <p:cNvSpPr/>
-          <p:nvPr/>
-        </p:nvSpPr>
-        <p:spPr>
-          <a:xfrm>
-            <a:off x="5851019" y="2630637"/>
-            <a:ext cx="371040" cy="399530"/>
-          </a:xfrm>
-          <a:prstGeom prst="rect">
-            <a:avLst/>
-          </a:prstGeom>
-        </p:spPr>
-        <p:style>
-          <a:lnRef idx="1">
-            <a:schemeClr val="accent1"/>
-          </a:lnRef>
-          <a:fillRef idx="3">
-            <a:schemeClr val="accent1"/>
-          </a:fillRef>
-          <a:effectRef idx="2">
-            <a:schemeClr val="accent1"/>
-          </a:effectRef>
-          <a:fontRef idx="minor">
-            <a:schemeClr val="lt1"/>
-          </a:fontRef>
-        </p:style>
-        <p:txBody>
-          <a:bodyPr rtlCol="0" anchor="ctr"/>
-          <a:lstStyle/>
-          <a:p>
-            <a:pPr algn="ctr"/>
-            <a:r>
-              <a:rPr lang="en-US" dirty="0" smtClean="0"/>
-              <a:t>1</a:t>
+              <a:rPr lang="en-US" dirty="0" smtClean="0"/>
+              <a:t>Server</a:t>
             </a:r>
             <a:endParaRPr lang="en-US" dirty="0"/>
-          </a:p>
-        </p:txBody>
-      </p:sp>
-      <p:sp>
-        <p:nvSpPr>
-          <p:cNvPr id="18" name="Rectangle 17"/>
-          <p:cNvSpPr/>
-          <p:nvPr/>
-        </p:nvSpPr>
-        <p:spPr>
-          <a:xfrm>
-            <a:off x="6341338" y="3567828"/>
-            <a:ext cx="371040" cy="399530"/>
-          </a:xfrm>
-          <a:prstGeom prst="rect">
-            <a:avLst/>
-          </a:prstGeom>
-        </p:spPr>
-        <p:style>
-          <a:lnRef idx="1">
-            <a:schemeClr val="accent1"/>
-          </a:lnRef>
-          <a:fillRef idx="3">
-            <a:schemeClr val="accent1"/>
-          </a:fillRef>
-          <a:effectRef idx="2">
-            <a:schemeClr val="accent1"/>
-          </a:effectRef>
-          <a:fontRef idx="minor">
-            <a:schemeClr val="lt1"/>
-          </a:fontRef>
-        </p:style>
-        <p:txBody>
-          <a:bodyPr rtlCol="0" anchor="ctr"/>
-          <a:lstStyle/>
-          <a:p>
-            <a:pPr algn="ctr"/>
-            <a:r>
-              <a:rPr lang="en-US" dirty="0" smtClean="0"/>
-              <a:t>2</a:t>
-            </a:r>
-            <a:endParaRPr lang="en-US" dirty="0"/>
-          </a:p>
-        </p:txBody>
-      </p:sp>
-      <p:sp>
-        <p:nvSpPr>
-          <p:cNvPr id="19" name="Rectangle 18"/>
-          <p:cNvSpPr/>
-          <p:nvPr/>
-        </p:nvSpPr>
-        <p:spPr>
-          <a:xfrm>
-            <a:off x="6822501" y="3577539"/>
-            <a:ext cx="371040" cy="399530"/>
-          </a:xfrm>
-          <a:prstGeom prst="rect">
-            <a:avLst/>
-          </a:prstGeom>
-          <a:solidFill>
-            <a:schemeClr val="accent2"/>
-          </a:solidFill>
-        </p:spPr>
-        <p:style>
-          <a:lnRef idx="1">
-            <a:schemeClr val="accent1"/>
-          </a:lnRef>
-          <a:fillRef idx="3">
-            <a:schemeClr val="accent1"/>
-          </a:fillRef>
-          <a:effectRef idx="2">
-            <a:schemeClr val="accent1"/>
-          </a:effectRef>
-          <a:fontRef idx="minor">
-            <a:schemeClr val="lt1"/>
-          </a:fontRef>
-        </p:style>
-        <p:txBody>
-          <a:bodyPr rtlCol="0" anchor="ctr"/>
-          <a:lstStyle/>
-          <a:p>
-            <a:pPr algn="ctr"/>
-            <a:r>
-              <a:rPr lang="en-US" dirty="0" smtClean="0"/>
-              <a:t>3</a:t>
-            </a:r>
-            <a:endParaRPr lang="en-US" dirty="0"/>
-          </a:p>
-        </p:txBody>
-      </p:sp>
-      <p:sp>
-        <p:nvSpPr>
-          <p:cNvPr id="20" name="Rectangle 19"/>
-          <p:cNvSpPr/>
-          <p:nvPr/>
-        </p:nvSpPr>
-        <p:spPr>
-          <a:xfrm>
-            <a:off x="7298014" y="3577539"/>
-            <a:ext cx="371040" cy="399530"/>
-          </a:xfrm>
-          <a:prstGeom prst="rect">
-            <a:avLst/>
-          </a:prstGeom>
-          <a:solidFill>
-            <a:schemeClr val="accent2"/>
-          </a:solidFill>
-        </p:spPr>
-        <p:style>
-          <a:lnRef idx="1">
-            <a:schemeClr val="accent1"/>
-          </a:lnRef>
-          <a:fillRef idx="3">
-            <a:schemeClr val="accent1"/>
-          </a:fillRef>
-          <a:effectRef idx="2">
-            <a:schemeClr val="accent1"/>
-          </a:effectRef>
-          <a:fontRef idx="minor">
-            <a:schemeClr val="lt1"/>
-          </a:fontRef>
-        </p:style>
-        <p:txBody>
-          <a:bodyPr rtlCol="0" anchor="ctr"/>
-          <a:lstStyle/>
-          <a:p>
-            <a:pPr algn="ctr"/>
-            <a:r>
-              <a:rPr lang="en-US" dirty="0"/>
-              <a:t>4</a:t>
-            </a:r>
-          </a:p>
-        </p:txBody>
-      </p:sp>
-      <p:sp>
-        <p:nvSpPr>
-          <p:cNvPr id="21" name="Rectangle 20"/>
-          <p:cNvSpPr/>
-          <p:nvPr/>
-        </p:nvSpPr>
-        <p:spPr>
-          <a:xfrm>
-            <a:off x="7788336" y="3577539"/>
-            <a:ext cx="371040" cy="399530"/>
-          </a:xfrm>
-          <a:prstGeom prst="rect">
-            <a:avLst/>
-          </a:prstGeom>
-          <a:solidFill>
-            <a:schemeClr val="accent2"/>
-          </a:solidFill>
-        </p:spPr>
-        <p:style>
-          <a:lnRef idx="1">
-            <a:schemeClr val="accent1"/>
-          </a:lnRef>
-          <a:fillRef idx="3">
-            <a:schemeClr val="accent1"/>
-          </a:fillRef>
-          <a:effectRef idx="2">
-            <a:schemeClr val="accent1"/>
-          </a:effectRef>
-          <a:fontRef idx="minor">
-            <a:schemeClr val="lt1"/>
-          </a:fontRef>
-        </p:style>
-        <p:txBody>
-          <a:bodyPr rtlCol="0" anchor="ctr"/>
-          <a:lstStyle/>
-          <a:p>
-            <a:pPr algn="ctr"/>
-            <a:r>
-              <a:rPr lang="en-US" dirty="0"/>
-              <a:t>5</a:t>
-            </a:r>
-          </a:p>
-        </p:txBody>
-      </p:sp>
-      <p:sp>
-        <p:nvSpPr>
-          <p:cNvPr id="22" name="Rectangle 21"/>
-          <p:cNvSpPr/>
-          <p:nvPr/>
-        </p:nvSpPr>
-        <p:spPr>
-          <a:xfrm>
-            <a:off x="8273006" y="3577539"/>
-            <a:ext cx="371040" cy="399530"/>
-          </a:xfrm>
-          <a:prstGeom prst="rect">
-            <a:avLst/>
-          </a:prstGeom>
-          <a:solidFill>
-            <a:schemeClr val="accent2"/>
-          </a:solidFill>
-        </p:spPr>
-        <p:style>
-          <a:lnRef idx="1">
-            <a:schemeClr val="accent1"/>
-          </a:lnRef>
-          <a:fillRef idx="3">
-            <a:schemeClr val="accent1"/>
-          </a:fillRef>
-          <a:effectRef idx="2">
-            <a:schemeClr val="accent1"/>
-          </a:effectRef>
-          <a:fontRef idx="minor">
-            <a:schemeClr val="lt1"/>
-          </a:fontRef>
-        </p:style>
-        <p:txBody>
-          <a:bodyPr rtlCol="0" anchor="ctr"/>
-          <a:lstStyle/>
-          <a:p>
-            <a:pPr algn="ctr"/>
-            <a:r>
-              <a:rPr lang="en-US" dirty="0"/>
-              <a:t>6</a:t>
-            </a:r>
-          </a:p>
-        </p:txBody>
-      </p:sp>
-      <p:sp>
-        <p:nvSpPr>
-          <p:cNvPr id="23" name="Rectangle 22"/>
-          <p:cNvSpPr/>
-          <p:nvPr/>
-        </p:nvSpPr>
-        <p:spPr>
-          <a:xfrm>
-            <a:off x="5851019" y="3567828"/>
-            <a:ext cx="371040" cy="399530"/>
-          </a:xfrm>
-          <a:prstGeom prst="rect">
-            <a:avLst/>
-          </a:prstGeom>
-        </p:spPr>
-        <p:style>
-          <a:lnRef idx="1">
-            <a:schemeClr val="accent1"/>
-          </a:lnRef>
-          <a:fillRef idx="3">
-            <a:schemeClr val="accent1"/>
-          </a:fillRef>
-          <a:effectRef idx="2">
-            <a:schemeClr val="accent1"/>
-          </a:effectRef>
-          <a:fontRef idx="minor">
-            <a:schemeClr val="lt1"/>
-          </a:fontRef>
-        </p:style>
-        <p:txBody>
-          <a:bodyPr rtlCol="0" anchor="ctr"/>
-          <a:lstStyle/>
-          <a:p>
-            <a:pPr algn="ctr"/>
-            <a:r>
-              <a:rPr lang="en-US" dirty="0" smtClean="0"/>
-              <a:t>1</a:t>
-            </a:r>
-            <a:endParaRPr lang="en-US" dirty="0"/>
-          </a:p>
-        </p:txBody>
-      </p:sp>
-      <p:sp>
-        <p:nvSpPr>
-          <p:cNvPr id="24" name="Rectangle 23"/>
-          <p:cNvSpPr/>
-          <p:nvPr/>
-        </p:nvSpPr>
-        <p:spPr>
-          <a:xfrm>
-            <a:off x="6341338" y="4580921"/>
-            <a:ext cx="371040" cy="399530"/>
-          </a:xfrm>
-          <a:prstGeom prst="rect">
-            <a:avLst/>
-          </a:prstGeom>
-          <a:solidFill>
-            <a:schemeClr val="accent2"/>
-          </a:solidFill>
-        </p:spPr>
-        <p:style>
-          <a:lnRef idx="1">
-            <a:schemeClr val="accent1"/>
-          </a:lnRef>
-          <a:fillRef idx="3">
-            <a:schemeClr val="accent1"/>
-          </a:fillRef>
-          <a:effectRef idx="2">
-            <a:schemeClr val="accent1"/>
-          </a:effectRef>
-          <a:fontRef idx="minor">
-            <a:schemeClr val="lt1"/>
-          </a:fontRef>
-        </p:style>
-        <p:txBody>
-          <a:bodyPr rtlCol="0" anchor="ctr"/>
-          <a:lstStyle/>
-          <a:p>
-            <a:pPr algn="ctr"/>
-            <a:r>
-              <a:rPr lang="en-US" dirty="0" smtClean="0"/>
-              <a:t>2</a:t>
-            </a:r>
-            <a:endParaRPr lang="en-US" dirty="0"/>
-          </a:p>
-        </p:txBody>
-      </p:sp>
-      <p:sp>
-        <p:nvSpPr>
-          <p:cNvPr id="25" name="Rectangle 24"/>
-          <p:cNvSpPr/>
-          <p:nvPr/>
-        </p:nvSpPr>
-        <p:spPr>
-          <a:xfrm>
-            <a:off x="6822501" y="4590632"/>
-            <a:ext cx="371040" cy="399530"/>
-          </a:xfrm>
-          <a:prstGeom prst="rect">
-            <a:avLst/>
-          </a:prstGeom>
-          <a:solidFill>
-            <a:schemeClr val="accent3"/>
-          </a:solidFill>
-        </p:spPr>
-        <p:style>
-          <a:lnRef idx="1">
-            <a:schemeClr val="accent1"/>
-          </a:lnRef>
-          <a:fillRef idx="3">
-            <a:schemeClr val="accent1"/>
-          </a:fillRef>
-          <a:effectRef idx="2">
-            <a:schemeClr val="accent1"/>
-          </a:effectRef>
-          <a:fontRef idx="minor">
-            <a:schemeClr val="lt1"/>
-          </a:fontRef>
-        </p:style>
-        <p:txBody>
-          <a:bodyPr rtlCol="0" anchor="ctr"/>
-          <a:lstStyle/>
-          <a:p>
-            <a:pPr algn="ctr"/>
-            <a:r>
-              <a:rPr lang="en-US" dirty="0" smtClean="0"/>
-              <a:t>3</a:t>
-            </a:r>
-            <a:endParaRPr lang="en-US" dirty="0"/>
-          </a:p>
-        </p:txBody>
-      </p:sp>
-      <p:sp>
-        <p:nvSpPr>
-          <p:cNvPr id="26" name="Rectangle 25"/>
-          <p:cNvSpPr/>
-          <p:nvPr/>
-        </p:nvSpPr>
-        <p:spPr>
-          <a:xfrm>
-            <a:off x="7298014" y="4590632"/>
-            <a:ext cx="371040" cy="399530"/>
-          </a:xfrm>
-          <a:prstGeom prst="rect">
-            <a:avLst/>
-          </a:prstGeom>
-          <a:solidFill>
-            <a:schemeClr val="accent3"/>
-          </a:solidFill>
-        </p:spPr>
-        <p:style>
-          <a:lnRef idx="1">
-            <a:schemeClr val="accent1"/>
-          </a:lnRef>
-          <a:fillRef idx="3">
-            <a:schemeClr val="accent1"/>
-          </a:fillRef>
-          <a:effectRef idx="2">
-            <a:schemeClr val="accent1"/>
-          </a:effectRef>
-          <a:fontRef idx="minor">
-            <a:schemeClr val="lt1"/>
-          </a:fontRef>
-        </p:style>
-        <p:txBody>
-          <a:bodyPr rtlCol="0" anchor="ctr"/>
-          <a:lstStyle/>
-          <a:p>
-            <a:pPr algn="ctr"/>
-            <a:r>
-              <a:rPr lang="en-US" dirty="0"/>
-              <a:t>4</a:t>
-            </a:r>
-          </a:p>
-        </p:txBody>
-      </p:sp>
-      <p:sp>
-        <p:nvSpPr>
-          <p:cNvPr id="27" name="Rectangle 26"/>
-          <p:cNvSpPr/>
-          <p:nvPr/>
-        </p:nvSpPr>
-        <p:spPr>
-          <a:xfrm>
-            <a:off x="7788336" y="4590632"/>
-            <a:ext cx="371040" cy="399530"/>
-          </a:xfrm>
-          <a:prstGeom prst="rect">
-            <a:avLst/>
-          </a:prstGeom>
-          <a:solidFill>
-            <a:schemeClr val="accent3"/>
-          </a:solidFill>
-        </p:spPr>
-        <p:style>
-          <a:lnRef idx="1">
-            <a:schemeClr val="accent1"/>
-          </a:lnRef>
-          <a:fillRef idx="3">
-            <a:schemeClr val="accent1"/>
-          </a:fillRef>
-          <a:effectRef idx="2">
-            <a:schemeClr val="accent1"/>
-          </a:effectRef>
-          <a:fontRef idx="minor">
-            <a:schemeClr val="lt1"/>
-          </a:fontRef>
-        </p:style>
-        <p:txBody>
-          <a:bodyPr rtlCol="0" anchor="ctr"/>
-          <a:lstStyle/>
-          <a:p>
-            <a:pPr algn="ctr"/>
-            <a:r>
-              <a:rPr lang="en-US" dirty="0"/>
-              <a:t>5</a:t>
-            </a:r>
-          </a:p>
-        </p:txBody>
-      </p:sp>
-      <p:sp>
-        <p:nvSpPr>
-          <p:cNvPr id="28" name="Rectangle 27"/>
-          <p:cNvSpPr/>
-          <p:nvPr/>
-        </p:nvSpPr>
-        <p:spPr>
-          <a:xfrm>
-            <a:off x="8273006" y="4590632"/>
-            <a:ext cx="371040" cy="399530"/>
-          </a:xfrm>
-          <a:prstGeom prst="rect">
-            <a:avLst/>
-          </a:prstGeom>
-          <a:solidFill>
-            <a:schemeClr val="accent3"/>
-          </a:solidFill>
-        </p:spPr>
-        <p:style>
-          <a:lnRef idx="1">
-            <a:schemeClr val="accent1"/>
-          </a:lnRef>
-          <a:fillRef idx="3">
-            <a:schemeClr val="accent1"/>
-          </a:fillRef>
-          <a:effectRef idx="2">
-            <a:schemeClr val="accent1"/>
-          </a:effectRef>
-          <a:fontRef idx="minor">
-            <a:schemeClr val="lt1"/>
-          </a:fontRef>
-        </p:style>
-        <p:txBody>
-          <a:bodyPr rtlCol="0" anchor="ctr"/>
-          <a:lstStyle/>
-          <a:p>
-            <a:pPr algn="ctr"/>
-            <a:r>
-              <a:rPr lang="en-US" dirty="0"/>
-              <a:t>6</a:t>
-            </a:r>
-          </a:p>
-        </p:txBody>
-      </p:sp>
-      <p:sp>
-        <p:nvSpPr>
-          <p:cNvPr id="29" name="Rectangle 28"/>
-          <p:cNvSpPr/>
-          <p:nvPr/>
-        </p:nvSpPr>
-        <p:spPr>
-          <a:xfrm>
-            <a:off x="5851019" y="4580921"/>
-            <a:ext cx="371040" cy="399530"/>
-          </a:xfrm>
-          <a:prstGeom prst="rect">
-            <a:avLst/>
-          </a:prstGeom>
-          <a:solidFill>
-            <a:schemeClr val="accent2"/>
-          </a:solidFill>
-        </p:spPr>
-        <p:style>
-          <a:lnRef idx="1">
-            <a:schemeClr val="accent1"/>
-          </a:lnRef>
-          <a:fillRef idx="3">
-            <a:schemeClr val="accent1"/>
-          </a:fillRef>
-          <a:effectRef idx="2">
-            <a:schemeClr val="accent1"/>
-          </a:effectRef>
-          <a:fontRef idx="minor">
-            <a:schemeClr val="lt1"/>
-          </a:fontRef>
-        </p:style>
-        <p:txBody>
-          <a:bodyPr rtlCol="0" anchor="ctr"/>
-          <a:lstStyle/>
-          <a:p>
-            <a:pPr algn="ctr"/>
-            <a:r>
-              <a:rPr lang="en-US" dirty="0" smtClean="0"/>
-              <a:t>1</a:t>
-            </a:r>
-            <a:endParaRPr lang="en-US" dirty="0"/>
-          </a:p>
-        </p:txBody>
-      </p:sp>
-      <p:sp>
-        <p:nvSpPr>
-          <p:cNvPr id="30" name="Rectangle 29"/>
-          <p:cNvSpPr/>
-          <p:nvPr/>
-        </p:nvSpPr>
-        <p:spPr>
-          <a:xfrm>
-            <a:off x="6341338" y="5579746"/>
-            <a:ext cx="371040" cy="399530"/>
-          </a:xfrm>
-          <a:prstGeom prst="rect">
-            <a:avLst/>
-          </a:prstGeom>
-          <a:solidFill>
-            <a:schemeClr val="accent3"/>
-          </a:solidFill>
-        </p:spPr>
-        <p:style>
-          <a:lnRef idx="1">
-            <a:schemeClr val="accent1"/>
-          </a:lnRef>
-          <a:fillRef idx="3">
-            <a:schemeClr val="accent1"/>
-          </a:fillRef>
-          <a:effectRef idx="2">
-            <a:schemeClr val="accent1"/>
-          </a:effectRef>
-          <a:fontRef idx="minor">
-            <a:schemeClr val="lt1"/>
-          </a:fontRef>
-        </p:style>
-        <p:txBody>
-          <a:bodyPr rtlCol="0" anchor="ctr"/>
-          <a:lstStyle/>
-          <a:p>
-            <a:pPr algn="ctr"/>
-            <a:r>
-              <a:rPr lang="en-US" dirty="0" smtClean="0"/>
-              <a:t>2</a:t>
-            </a:r>
-            <a:endParaRPr lang="en-US" dirty="0"/>
-          </a:p>
-        </p:txBody>
-      </p:sp>
-      <p:sp>
-        <p:nvSpPr>
-          <p:cNvPr id="31" name="Rectangle 30"/>
-          <p:cNvSpPr/>
-          <p:nvPr/>
-        </p:nvSpPr>
-        <p:spPr>
-          <a:xfrm>
-            <a:off x="6822501" y="5589457"/>
-            <a:ext cx="371040" cy="399530"/>
-          </a:xfrm>
-          <a:prstGeom prst="rect">
-            <a:avLst/>
-          </a:prstGeom>
-          <a:solidFill>
-            <a:schemeClr val="accent3"/>
-          </a:solidFill>
-        </p:spPr>
-        <p:style>
-          <a:lnRef idx="1">
-            <a:schemeClr val="accent1"/>
-          </a:lnRef>
-          <a:fillRef idx="3">
-            <a:schemeClr val="accent1"/>
-          </a:fillRef>
-          <a:effectRef idx="2">
-            <a:schemeClr val="accent1"/>
-          </a:effectRef>
-          <a:fontRef idx="minor">
-            <a:schemeClr val="lt1"/>
-          </a:fontRef>
-        </p:style>
-        <p:txBody>
-          <a:bodyPr rtlCol="0" anchor="ctr"/>
-          <a:lstStyle/>
-          <a:p>
-            <a:pPr algn="ctr"/>
-            <a:r>
-              <a:rPr lang="en-US" dirty="0" smtClean="0"/>
-              <a:t>3</a:t>
-            </a:r>
-            <a:endParaRPr lang="en-US" dirty="0"/>
-          </a:p>
-        </p:txBody>
-      </p:sp>
-      <p:sp>
-        <p:nvSpPr>
-          <p:cNvPr id="32" name="Rectangle 31"/>
-          <p:cNvSpPr/>
-          <p:nvPr/>
-        </p:nvSpPr>
-        <p:spPr>
-          <a:xfrm>
-            <a:off x="7298014" y="5589457"/>
-            <a:ext cx="371040" cy="399530"/>
-          </a:xfrm>
-          <a:prstGeom prst="rect">
-            <a:avLst/>
-          </a:prstGeom>
-          <a:solidFill>
-            <a:schemeClr val="accent3"/>
-          </a:solidFill>
-        </p:spPr>
-        <p:style>
-          <a:lnRef idx="1">
-            <a:schemeClr val="accent1"/>
-          </a:lnRef>
-          <a:fillRef idx="3">
-            <a:schemeClr val="accent1"/>
-          </a:fillRef>
-          <a:effectRef idx="2">
-            <a:schemeClr val="accent1"/>
-          </a:effectRef>
-          <a:fontRef idx="minor">
-            <a:schemeClr val="lt1"/>
-          </a:fontRef>
-        </p:style>
-        <p:txBody>
-          <a:bodyPr rtlCol="0" anchor="ctr"/>
-          <a:lstStyle/>
-          <a:p>
-            <a:pPr algn="ctr"/>
-            <a:r>
-              <a:rPr lang="en-US" dirty="0"/>
-              <a:t>4</a:t>
-            </a:r>
-          </a:p>
-        </p:txBody>
-      </p:sp>
-      <p:sp>
-        <p:nvSpPr>
-          <p:cNvPr id="33" name="Rectangle 32"/>
-          <p:cNvSpPr/>
-          <p:nvPr/>
-        </p:nvSpPr>
-        <p:spPr>
-          <a:xfrm>
-            <a:off x="7788336" y="5589457"/>
-            <a:ext cx="371040" cy="399530"/>
-          </a:xfrm>
-          <a:prstGeom prst="rect">
-            <a:avLst/>
-          </a:prstGeom>
-          <a:solidFill>
-            <a:schemeClr val="accent3"/>
-          </a:solidFill>
-        </p:spPr>
-        <p:style>
-          <a:lnRef idx="1">
-            <a:schemeClr val="accent1"/>
-          </a:lnRef>
-          <a:fillRef idx="3">
-            <a:schemeClr val="accent1"/>
-          </a:fillRef>
-          <a:effectRef idx="2">
-            <a:schemeClr val="accent1"/>
-          </a:effectRef>
-          <a:fontRef idx="minor">
-            <a:schemeClr val="lt1"/>
-          </a:fontRef>
-        </p:style>
-        <p:txBody>
-          <a:bodyPr rtlCol="0" anchor="ctr"/>
-          <a:lstStyle/>
-          <a:p>
-            <a:pPr algn="ctr"/>
-            <a:r>
-              <a:rPr lang="en-US" dirty="0"/>
-              <a:t>5</a:t>
-            </a:r>
-          </a:p>
-        </p:txBody>
-      </p:sp>
-      <p:sp>
-        <p:nvSpPr>
-          <p:cNvPr id="34" name="Rectangle 33"/>
-          <p:cNvSpPr/>
-          <p:nvPr/>
-        </p:nvSpPr>
-        <p:spPr>
-          <a:xfrm>
-            <a:off x="8273006" y="5589457"/>
-            <a:ext cx="371040" cy="399530"/>
-          </a:xfrm>
-          <a:prstGeom prst="rect">
-            <a:avLst/>
-          </a:prstGeom>
-          <a:solidFill>
-            <a:schemeClr val="accent3"/>
-          </a:solidFill>
-        </p:spPr>
-        <p:style>
-          <a:lnRef idx="1">
-            <a:schemeClr val="accent1"/>
-          </a:lnRef>
-          <a:fillRef idx="3">
-            <a:schemeClr val="accent1"/>
-          </a:fillRef>
-          <a:effectRef idx="2">
-            <a:schemeClr val="accent1"/>
-          </a:effectRef>
-          <a:fontRef idx="minor">
-            <a:schemeClr val="lt1"/>
-          </a:fontRef>
-        </p:style>
-        <p:txBody>
-          <a:bodyPr rtlCol="0" anchor="ctr"/>
-          <a:lstStyle/>
-          <a:p>
-            <a:pPr algn="ctr"/>
-            <a:r>
-              <a:rPr lang="en-US" dirty="0"/>
-              <a:t>6</a:t>
-            </a:r>
-          </a:p>
-        </p:txBody>
-      </p:sp>
-      <p:sp>
-        <p:nvSpPr>
-          <p:cNvPr id="35" name="Rectangle 34"/>
-          <p:cNvSpPr/>
-          <p:nvPr/>
-        </p:nvSpPr>
-        <p:spPr>
-          <a:xfrm>
-            <a:off x="5851019" y="5579746"/>
-            <a:ext cx="371040" cy="399530"/>
-          </a:xfrm>
-          <a:prstGeom prst="rect">
-            <a:avLst/>
-          </a:prstGeom>
-          <a:solidFill>
-            <a:schemeClr val="accent3"/>
-          </a:solidFill>
-        </p:spPr>
-        <p:style>
-          <a:lnRef idx="1">
-            <a:schemeClr val="accent1"/>
-          </a:lnRef>
-          <a:fillRef idx="3">
-            <a:schemeClr val="accent1"/>
-          </a:fillRef>
-          <a:effectRef idx="2">
-            <a:schemeClr val="accent1"/>
-          </a:effectRef>
-          <a:fontRef idx="minor">
-            <a:schemeClr val="lt1"/>
-          </a:fontRef>
-        </p:style>
-        <p:txBody>
-          <a:bodyPr rtlCol="0" anchor="ctr"/>
-          <a:lstStyle/>
-          <a:p>
-            <a:pPr algn="ctr"/>
-            <a:r>
-              <a:rPr lang="en-US" dirty="0" smtClean="0"/>
-              <a:t>1</a:t>
-            </a:r>
-            <a:endParaRPr lang="en-US" dirty="0"/>
-          </a:p>
-        </p:txBody>
-      </p:sp>
-      <p:sp>
-        <p:nvSpPr>
-          <p:cNvPr id="11" name="TextBox 10"/>
-          <p:cNvSpPr txBox="1"/>
-          <p:nvPr/>
-        </p:nvSpPr>
-        <p:spPr>
-          <a:xfrm>
-            <a:off x="5866109" y="1868399"/>
-            <a:ext cx="2919264" cy="369332"/>
-          </a:xfrm>
-          <a:prstGeom prst="rect">
-            <a:avLst/>
-          </a:prstGeom>
-          <a:noFill/>
-        </p:spPr>
-        <p:txBody>
-          <a:bodyPr wrap="none" rtlCol="0">
-            <a:spAutoFit/>
-          </a:bodyPr>
-          <a:lstStyle/>
-          <a:p>
-            <a:r>
-              <a:rPr lang="en-US" b="1" dirty="0" smtClean="0"/>
-              <a:t>2 server minimum-in-service</a:t>
-            </a:r>
-            <a:endParaRPr lang="en-US" b="1" dirty="0"/>
           </a:p>
         </p:txBody>
       </p:sp>
       <p:cxnSp>
         <p:nvCxnSpPr>
-          <p:cNvPr id="37" name="Straight Arrow Connector 36"/>
-          <p:cNvCxnSpPr/>
+          <p:cNvPr id="10" name="Straight Arrow Connector 9"/>
+          <p:cNvCxnSpPr>
+            <a:stCxn id="4" idx="3"/>
+            <a:endCxn id="9" idx="1"/>
+          </p:cNvCxnSpPr>
           <p:nvPr/>
         </p:nvCxnSpPr>
         <p:spPr>
-          <a:xfrm>
-            <a:off x="7193541" y="3167700"/>
-            <a:ext cx="0" cy="271110"/>
+          <a:xfrm flipV="1">
+            <a:off x="6464662" y="2342680"/>
+            <a:ext cx="1265996" cy="932038"/>
           </a:xfrm>
           <a:prstGeom prst="straightConnector1">
             <a:avLst/>
@@ -5533,14 +5146,16 @@
       </p:cxnSp>
       <p:cxnSp>
         <p:nvCxnSpPr>
-          <p:cNvPr id="38" name="Straight Arrow Connector 37"/>
-          <p:cNvCxnSpPr/>
+          <p:cNvPr id="12" name="Straight Arrow Connector 11"/>
+          <p:cNvCxnSpPr>
+            <a:endCxn id="8" idx="1"/>
+          </p:cNvCxnSpPr>
           <p:nvPr/>
         </p:nvCxnSpPr>
         <p:spPr>
           <a:xfrm>
-            <a:off x="7193541" y="4176235"/>
-            <a:ext cx="0" cy="271110"/>
+            <a:off x="6464662" y="3274718"/>
+            <a:ext cx="1265996" cy="937191"/>
           </a:xfrm>
           <a:prstGeom prst="straightConnector1">
             <a:avLst/>
@@ -5564,103 +5179,10 @@
           </a:fontRef>
         </p:style>
       </p:cxnSp>
-      <p:cxnSp>
-        <p:nvCxnSpPr>
-          <p:cNvPr id="39" name="Straight Arrow Connector 38"/>
-          <p:cNvCxnSpPr/>
-          <p:nvPr/>
-        </p:nvCxnSpPr>
-        <p:spPr>
-          <a:xfrm>
-            <a:off x="7193541" y="5203597"/>
-            <a:ext cx="0" cy="271110"/>
-          </a:xfrm>
-          <a:prstGeom prst="straightConnector1">
-            <a:avLst/>
-          </a:prstGeom>
-          <a:ln>
-            <a:tailEnd type="arrow"/>
-          </a:ln>
-        </p:spPr>
-        <p:style>
-          <a:lnRef idx="2">
-            <a:schemeClr val="accent1"/>
-          </a:lnRef>
-          <a:fillRef idx="0">
-            <a:schemeClr val="accent1"/>
-          </a:fillRef>
-          <a:effectRef idx="1">
-            <a:schemeClr val="accent1"/>
-          </a:effectRef>
-          <a:fontRef idx="minor">
-            <a:schemeClr val="tx1"/>
-          </a:fontRef>
-        </p:style>
-      </p:cxnSp>
-      <p:sp>
-        <p:nvSpPr>
-          <p:cNvPr id="40" name="TextBox 39"/>
-          <p:cNvSpPr txBox="1"/>
-          <p:nvPr/>
-        </p:nvSpPr>
-        <p:spPr>
-          <a:xfrm>
-            <a:off x="7004974" y="3268413"/>
-            <a:ext cx="1539116" cy="369332"/>
-          </a:xfrm>
-          <a:prstGeom prst="rect">
-            <a:avLst/>
-          </a:prstGeom>
-          <a:noFill/>
-        </p:spPr>
-        <p:txBody>
-          <a:bodyPr wrap="none" rtlCol="0">
-            <a:spAutoFit/>
-          </a:bodyPr>
-          <a:lstStyle/>
-          <a:p>
-            <a:r>
-              <a:rPr lang="en-US" dirty="0" smtClean="0"/>
-              <a:t>----Updating---</a:t>
-            </a:r>
-            <a:endParaRPr lang="en-US" dirty="0"/>
-          </a:p>
-        </p:txBody>
-      </p:sp>
-      <p:sp>
-        <p:nvSpPr>
-          <p:cNvPr id="41" name="TextBox 40"/>
-          <p:cNvSpPr txBox="1"/>
-          <p:nvPr/>
-        </p:nvSpPr>
-        <p:spPr>
-          <a:xfrm>
-            <a:off x="5757303" y="4262679"/>
-            <a:ext cx="1044427" cy="369332"/>
-          </a:xfrm>
-          <a:prstGeom prst="rect">
-            <a:avLst/>
-          </a:prstGeom>
-          <a:noFill/>
-        </p:spPr>
-        <p:txBody>
-          <a:bodyPr wrap="none" rtlCol="0">
-            <a:spAutoFit/>
-          </a:bodyPr>
-          <a:lstStyle/>
-          <a:p>
-            <a:r>
-              <a:rPr lang="en-US" dirty="0" smtClean="0"/>
-              <a:t>Updating</a:t>
-            </a:r>
-            <a:endParaRPr lang="en-US" dirty="0"/>
-          </a:p>
-        </p:txBody>
-      </p:sp>
     </p:spTree>
     <p:extLst>
       <p:ext uri="{BB962C8B-B14F-4D97-AF65-F5344CB8AC3E}">
-        <p14:creationId xmlns:p14="http://schemas.microsoft.com/office/powerpoint/2010/main" val="2334469488"/>
+        <p14:creationId xmlns:p14="http://schemas.microsoft.com/office/powerpoint/2010/main" val="859339994"/>
       </p:ext>
     </p:extLst>
   </p:cSld>
@@ -5734,14 +5256,14 @@
           <a:p>
             <a:r>
               <a:rPr lang="en-US" dirty="0" smtClean="0"/>
-              <a:t>Rolling (Canary) Deployment</a:t>
+              <a:t>Minimum-in-service Deployment</a:t>
             </a:r>
           </a:p>
           <a:p>
             <a:pPr lvl="1"/>
             <a:r>
               <a:rPr lang="en-US" dirty="0" smtClean="0"/>
-              <a:t>Application is deployed to a specified number of servers at each stage</a:t>
+              <a:t>Application is deployed in multiple stages with a minimum set of servers supporting service</a:t>
             </a:r>
           </a:p>
           <a:p>
@@ -5755,21 +5277,28 @@
             <a:pPr lvl="2"/>
             <a:r>
               <a:rPr lang="en-US" dirty="0" smtClean="0"/>
-              <a:t>Low risk strategy</a:t>
+              <a:t>Supports large environments</a:t>
             </a:r>
           </a:p>
           <a:p>
             <a:pPr lvl="2"/>
             <a:r>
               <a:rPr lang="en-US" dirty="0" smtClean="0"/>
-              <a:t>Maintains health of service</a:t>
+              <a:t>No downtime</a:t>
             </a:r>
           </a:p>
           <a:p>
             <a:pPr lvl="2"/>
             <a:r>
               <a:rPr lang="en-US" dirty="0" smtClean="0"/>
-              <a:t>Minimize user impact through early service issue detection</a:t>
+              <a:t>Fast, most systems updated</a:t>
+            </a:r>
+          </a:p>
+          <a:p>
+            <a:pPr lvl="2"/>
+            <a:r>
+              <a:rPr lang="en-US" dirty="0" smtClean="0"/>
+              <a:t>Deployments are tested in production</a:t>
             </a:r>
           </a:p>
           <a:p>
@@ -5783,21 +5312,15 @@
             <a:pPr lvl="2"/>
             <a:r>
               <a:rPr lang="en-US" dirty="0" smtClean="0"/>
-              <a:t>Requires significant automation and orchestration capability</a:t>
+              <a:t>Requires significant automation and orchestration capabilities</a:t>
             </a:r>
           </a:p>
           <a:p>
             <a:pPr lvl="2"/>
             <a:r>
               <a:rPr lang="en-US" dirty="0" smtClean="0"/>
-              <a:t>Slow, depending on number of servers updated at each stage</a:t>
-            </a:r>
-          </a:p>
-          <a:p>
-            <a:pPr marL="914400" lvl="2" indent="0">
-              <a:buNone/>
-            </a:pPr>
-            <a:endParaRPr lang="en-US" dirty="0" smtClean="0"/>
+              <a:t>May require rollback</a:t>
+            </a:r>
           </a:p>
         </p:txBody>
       </p:sp>
@@ -5815,9 +5338,6 @@
           <a:prstGeom prst="rect">
             <a:avLst/>
           </a:prstGeom>
-          <a:solidFill>
-            <a:schemeClr val="accent5"/>
-          </a:solidFill>
         </p:spPr>
         <p:style>
           <a:lnRef idx="1">
@@ -5860,9 +5380,6 @@
           <a:prstGeom prst="rect">
             <a:avLst/>
           </a:prstGeom>
-          <a:solidFill>
-            <a:schemeClr val="accent5"/>
-          </a:solidFill>
         </p:spPr>
         <p:style>
           <a:lnRef idx="1">
@@ -5905,9 +5422,6 @@
           <a:prstGeom prst="rect">
             <a:avLst/>
           </a:prstGeom>
-          <a:solidFill>
-            <a:schemeClr val="accent5"/>
-          </a:solidFill>
         </p:spPr>
         <p:style>
           <a:lnRef idx="1">
@@ -5949,9 +5463,6 @@
           <a:prstGeom prst="rect">
             <a:avLst/>
           </a:prstGeom>
-          <a:solidFill>
-            <a:schemeClr val="accent5"/>
-          </a:solidFill>
         </p:spPr>
         <p:style>
           <a:lnRef idx="1">
@@ -5993,9 +5504,6 @@
           <a:prstGeom prst="rect">
             <a:avLst/>
           </a:prstGeom>
-          <a:solidFill>
-            <a:schemeClr val="accent5"/>
-          </a:solidFill>
         </p:spPr>
         <p:style>
           <a:lnRef idx="1">
@@ -6037,9 +5545,6 @@
           <a:prstGeom prst="rect">
             <a:avLst/>
           </a:prstGeom>
-          <a:solidFill>
-            <a:schemeClr val="accent5"/>
-          </a:solidFill>
         </p:spPr>
         <p:style>
           <a:lnRef idx="1">
@@ -6082,9 +5587,6 @@
           <a:prstGeom prst="rect">
             <a:avLst/>
           </a:prstGeom>
-          <a:solidFill>
-            <a:schemeClr val="accent2"/>
-          </a:solidFill>
         </p:spPr>
         <p:style>
           <a:lnRef idx="1">
@@ -6128,7 +5630,7 @@
             <a:avLst/>
           </a:prstGeom>
           <a:solidFill>
-            <a:schemeClr val="accent5"/>
+            <a:schemeClr val="accent2"/>
           </a:solidFill>
         </p:spPr>
         <p:style>
@@ -6173,7 +5675,7 @@
             <a:avLst/>
           </a:prstGeom>
           <a:solidFill>
-            <a:schemeClr val="accent5"/>
+            <a:schemeClr val="accent2"/>
           </a:solidFill>
         </p:spPr>
         <p:style>
@@ -6217,7 +5719,7 @@
             <a:avLst/>
           </a:prstGeom>
           <a:solidFill>
-            <a:schemeClr val="accent5"/>
+            <a:schemeClr val="accent2"/>
           </a:solidFill>
         </p:spPr>
         <p:style>
@@ -6261,7 +5763,7 @@
             <a:avLst/>
           </a:prstGeom>
           <a:solidFill>
-            <a:schemeClr val="accent5"/>
+            <a:schemeClr val="accent2"/>
           </a:solidFill>
         </p:spPr>
         <p:style>
@@ -6304,9 +5806,6 @@
           <a:prstGeom prst="rect">
             <a:avLst/>
           </a:prstGeom>
-          <a:solidFill>
-            <a:schemeClr val="accent2"/>
-          </a:solidFill>
         </p:spPr>
         <p:style>
           <a:lnRef idx="1">
@@ -6350,7 +5849,7 @@
             <a:avLst/>
           </a:prstGeom>
           <a:solidFill>
-            <a:schemeClr val="accent3"/>
+            <a:schemeClr val="accent2"/>
           </a:solidFill>
         </p:spPr>
         <p:style>
@@ -6395,7 +5894,7 @@
             <a:avLst/>
           </a:prstGeom>
           <a:solidFill>
-            <a:schemeClr val="accent2"/>
+            <a:schemeClr val="accent3"/>
           </a:solidFill>
         </p:spPr>
         <p:style>
@@ -6440,7 +5939,7 @@
             <a:avLst/>
           </a:prstGeom>
           <a:solidFill>
-            <a:schemeClr val="accent2"/>
+            <a:schemeClr val="accent3"/>
           </a:solidFill>
         </p:spPr>
         <p:style>
@@ -6484,7 +5983,7 @@
             <a:avLst/>
           </a:prstGeom>
           <a:solidFill>
-            <a:schemeClr val="accent5"/>
+            <a:schemeClr val="accent3"/>
           </a:solidFill>
         </p:spPr>
         <p:style>
@@ -6528,7 +6027,7 @@
             <a:avLst/>
           </a:prstGeom>
           <a:solidFill>
-            <a:schemeClr val="accent5"/>
+            <a:schemeClr val="accent3"/>
           </a:solidFill>
         </p:spPr>
         <p:style>
@@ -6572,7 +6071,7 @@
             <a:avLst/>
           </a:prstGeom>
           <a:solidFill>
-            <a:schemeClr val="accent3"/>
+            <a:schemeClr val="accent2"/>
           </a:solidFill>
         </p:spPr>
         <p:style>
@@ -6751,7 +6250,7 @@
             <a:avLst/>
           </a:prstGeom>
           <a:solidFill>
-            <a:schemeClr val="accent2"/>
+            <a:schemeClr val="accent3"/>
           </a:solidFill>
         </p:spPr>
         <p:style>
@@ -6795,7 +6294,7 @@
             <a:avLst/>
           </a:prstGeom>
           <a:solidFill>
-            <a:schemeClr val="accent2"/>
+            <a:schemeClr val="accent3"/>
           </a:solidFill>
         </p:spPr>
         <p:style>
@@ -6878,7 +6377,7 @@
         <p:spPr>
           <a:xfrm>
             <a:off x="5866109" y="1868399"/>
-            <a:ext cx="2827517" cy="369332"/>
+            <a:ext cx="2919264" cy="369332"/>
           </a:xfrm>
           <a:prstGeom prst="rect">
             <a:avLst/>
@@ -6893,7 +6392,7 @@
           <a:p>
             <a:r>
               <a:rPr lang="en-US" b="1" dirty="0" smtClean="0"/>
-              <a:t>2 server rolling deployment</a:t>
+              <a:t>2 server minimum-in-service</a:t>
             </a:r>
             <a:endParaRPr lang="en-US" b="1" dirty="0"/>
           </a:p>
@@ -6940,7 +6439,7 @@
         </p:nvCxnSpPr>
         <p:spPr>
           <a:xfrm>
-            <a:off x="7193541" y="4133428"/>
+            <a:off x="7193541" y="4176235"/>
             <a:ext cx="0" cy="271110"/>
           </a:xfrm>
           <a:prstGeom prst="straightConnector1">
@@ -7000,14 +6499,14 @@
       </p:cxnSp>
       <p:sp>
         <p:nvSpPr>
-          <p:cNvPr id="41" name="TextBox 40"/>
+          <p:cNvPr id="40" name="TextBox 39"/>
           <p:cNvSpPr txBox="1"/>
           <p:nvPr/>
         </p:nvSpPr>
         <p:spPr>
           <a:xfrm>
-            <a:off x="6756273" y="4291217"/>
-            <a:ext cx="1044427" cy="369332"/>
+            <a:off x="7004974" y="3268413"/>
+            <a:ext cx="1539116" cy="369332"/>
           </a:xfrm>
           <a:prstGeom prst="rect">
             <a:avLst/>
@@ -7022,7 +6521,7 @@
           <a:p>
             <a:r>
               <a:rPr lang="en-US" dirty="0" smtClean="0"/>
-              <a:t>Updating</a:t>
+              <a:t>----Updating---</a:t>
             </a:r>
             <a:endParaRPr lang="en-US" dirty="0"/>
           </a:p>
@@ -7030,13 +6529,13 @@
       </p:sp>
       <p:sp>
         <p:nvSpPr>
-          <p:cNvPr id="42" name="TextBox 41"/>
+          <p:cNvPr id="41" name="TextBox 40"/>
           <p:cNvSpPr txBox="1"/>
           <p:nvPr/>
         </p:nvSpPr>
         <p:spPr>
           <a:xfrm>
-            <a:off x="5783187" y="3241303"/>
+            <a:off x="5757303" y="4262679"/>
             <a:ext cx="1044427" cy="369332"/>
           </a:xfrm>
           <a:prstGeom prst="rect">
@@ -7058,40 +6557,10 @@
           </a:p>
         </p:txBody>
       </p:sp>
-      <p:sp>
-        <p:nvSpPr>
-          <p:cNvPr id="45" name="TextBox 44"/>
-          <p:cNvSpPr txBox="1"/>
-          <p:nvPr/>
-        </p:nvSpPr>
-        <p:spPr>
-          <a:xfrm>
-            <a:off x="7669054" y="5267490"/>
-            <a:ext cx="1044427" cy="369332"/>
-          </a:xfrm>
-          <a:prstGeom prst="rect">
-            <a:avLst/>
-          </a:prstGeom>
-          <a:noFill/>
-        </p:spPr>
-        <p:txBody>
-          <a:bodyPr wrap="none" rtlCol="0">
-            <a:spAutoFit/>
-          </a:bodyPr>
-          <a:lstStyle/>
-          <a:p>
-            <a:r>
-              <a:rPr lang="en-US" dirty="0" smtClean="0"/>
-              <a:t>Updating</a:t>
-            </a:r>
-            <a:endParaRPr lang="en-US" dirty="0"/>
-          </a:p>
-        </p:txBody>
-      </p:sp>
     </p:spTree>
     <p:extLst>
       <p:ext uri="{BB962C8B-B14F-4D97-AF65-F5344CB8AC3E}">
-        <p14:creationId xmlns:p14="http://schemas.microsoft.com/office/powerpoint/2010/main" val="3443596665"/>
+        <p14:creationId xmlns:p14="http://schemas.microsoft.com/office/powerpoint/2010/main" val="2334469488"/>
       </p:ext>
     </p:extLst>
   </p:cSld>
@@ -7165,14 +6634,14 @@
           <a:p>
             <a:r>
               <a:rPr lang="en-US" dirty="0" smtClean="0"/>
-              <a:t>Blue Green Deployment</a:t>
+              <a:t>Rolling (Canary) Deployment</a:t>
             </a:r>
           </a:p>
           <a:p>
             <a:pPr lvl="1"/>
             <a:r>
               <a:rPr lang="en-US" dirty="0" smtClean="0"/>
-              <a:t>Application is deployed to a completely new production environment in parallel</a:t>
+              <a:t>Application is deployed to a specified number of servers at each stage</a:t>
             </a:r>
           </a:p>
           <a:p>
@@ -7186,6 +6655,13 @@
             <a:pPr lvl="2"/>
             <a:r>
               <a:rPr lang="en-US" dirty="0" smtClean="0"/>
+              <a:t>Low risk strategy</a:t>
+            </a:r>
+          </a:p>
+          <a:p>
+            <a:pPr lvl="2"/>
+            <a:r>
+              <a:rPr lang="en-US" dirty="0" smtClean="0"/>
               <a:t>Maintains health of service</a:t>
             </a:r>
           </a:p>
@@ -7193,42 +6669,28 @@
             <a:pPr lvl="2"/>
             <a:r>
               <a:rPr lang="en-US" dirty="0" smtClean="0"/>
-              <a:t>Rapid cut-over deployment</a:t>
+              <a:t>Minimize user impact through early service issue detection</a:t>
+            </a:r>
+          </a:p>
+          <a:p>
+            <a:pPr lvl="1"/>
+            <a:r>
+              <a:rPr lang="en-US" dirty="0" smtClean="0"/>
+              <a:t>Problems:</a:t>
             </a:r>
           </a:p>
           <a:p>
             <a:pPr lvl="2"/>
             <a:r>
               <a:rPr lang="en-US" dirty="0" smtClean="0"/>
-              <a:t>Ability to test complete deployment in production</a:t>
+              <a:t>Requires significant automation and orchestration capability</a:t>
             </a:r>
           </a:p>
           <a:p>
             <a:pPr lvl="2"/>
             <a:r>
               <a:rPr lang="en-US" dirty="0" smtClean="0"/>
-              <a:t>Easy to perform full rollback</a:t>
-            </a:r>
-          </a:p>
-          <a:p>
-            <a:pPr lvl="1"/>
-            <a:r>
-              <a:rPr lang="en-US" dirty="0" smtClean="0"/>
-              <a:t>Problems:</a:t>
-            </a:r>
-          </a:p>
-          <a:p>
-            <a:pPr lvl="2"/>
-            <a:r>
-              <a:rPr lang="en-US" dirty="0" smtClean="0"/>
-              <a:t>Requires significant automation and orchestration capability</a:t>
-            </a:r>
-          </a:p>
-          <a:p>
-            <a:pPr lvl="2"/>
-            <a:r>
-              <a:rPr lang="en-US" dirty="0" smtClean="0"/>
-              <a:t>Extra cost, but manageable with cloud instances</a:t>
+              <a:t>Slow, depending on number of servers updated at each stage</a:t>
             </a:r>
           </a:p>
           <a:p>
@@ -7247,14 +6709,14 @@
         </p:nvSpPr>
         <p:spPr>
           <a:xfrm>
-            <a:off x="6098731" y="2630637"/>
+            <a:off x="6341338" y="2630637"/>
             <a:ext cx="371040" cy="399530"/>
           </a:xfrm>
           <a:prstGeom prst="rect">
             <a:avLst/>
           </a:prstGeom>
           <a:solidFill>
-            <a:srgbClr val="0000FF"/>
+            <a:schemeClr val="accent5"/>
           </a:solidFill>
         </p:spPr>
         <p:style>
@@ -7292,14 +6754,14 @@
         </p:nvSpPr>
         <p:spPr>
           <a:xfrm>
-            <a:off x="6579894" y="2640348"/>
+            <a:off x="6822501" y="2640348"/>
             <a:ext cx="371040" cy="399530"/>
           </a:xfrm>
           <a:prstGeom prst="rect">
             <a:avLst/>
           </a:prstGeom>
           <a:solidFill>
-            <a:srgbClr val="0000FF"/>
+            <a:schemeClr val="accent5"/>
           </a:solidFill>
         </p:spPr>
         <p:style>
@@ -7344,7 +6806,7 @@
             <a:avLst/>
           </a:prstGeom>
           <a:solidFill>
-            <a:srgbClr val="008000"/>
+            <a:schemeClr val="accent5"/>
           </a:solidFill>
         </p:spPr>
         <p:style>
@@ -7367,10 +6829,9 @@
           <a:p>
             <a:pPr algn="ctr"/>
             <a:r>
-              <a:rPr lang="en-US" dirty="0" smtClean="0"/>
-              <a:t>1</a:t>
-            </a:r>
-            <a:endParaRPr lang="en-US" dirty="0"/>
+              <a:rPr lang="en-US" dirty="0"/>
+              <a:t>4</a:t>
+            </a:r>
           </a:p>
         </p:txBody>
       </p:sp>
@@ -7389,7 +6850,7 @@
             <a:avLst/>
           </a:prstGeom>
           <a:solidFill>
-            <a:srgbClr val="008000"/>
+            <a:schemeClr val="accent5"/>
           </a:solidFill>
         </p:spPr>
         <p:style>
@@ -7413,7 +6874,7 @@
             <a:pPr algn="ctr"/>
             <a:r>
               <a:rPr lang="en-US" dirty="0"/>
-              <a:t>2</a:t>
+              <a:t>5</a:t>
             </a:r>
           </a:p>
         </p:txBody>
@@ -7433,7 +6894,7 @@
             <a:avLst/>
           </a:prstGeom>
           <a:solidFill>
-            <a:srgbClr val="008000"/>
+            <a:schemeClr val="accent5"/>
           </a:solidFill>
         </p:spPr>
         <p:style>
@@ -7457,7 +6918,7 @@
             <a:pPr algn="ctr"/>
             <a:r>
               <a:rPr lang="en-US" dirty="0"/>
-              <a:t>3</a:t>
+              <a:t>6</a:t>
             </a:r>
           </a:p>
         </p:txBody>
@@ -7470,14 +6931,14 @@
         </p:nvSpPr>
         <p:spPr>
           <a:xfrm>
-            <a:off x="5608412" y="2630637"/>
+            <a:off x="5851019" y="2630637"/>
             <a:ext cx="371040" cy="399530"/>
           </a:xfrm>
           <a:prstGeom prst="rect">
             <a:avLst/>
           </a:prstGeom>
           <a:solidFill>
-            <a:srgbClr val="0000FF"/>
+            <a:schemeClr val="accent5"/>
           </a:solidFill>
         </p:spPr>
         <p:style>
@@ -7509,20 +6970,20 @@
       </p:sp>
       <p:sp>
         <p:nvSpPr>
-          <p:cNvPr id="4" name="Rectangle 3"/>
+          <p:cNvPr id="18" name="Rectangle 17"/>
           <p:cNvSpPr/>
           <p:nvPr/>
         </p:nvSpPr>
         <p:spPr>
           <a:xfrm>
-            <a:off x="6179246" y="1662330"/>
-            <a:ext cx="1980130" cy="442336"/>
+            <a:off x="6341338" y="3567828"/>
+            <a:ext cx="371040" cy="399530"/>
           </a:xfrm>
           <a:prstGeom prst="rect">
             <a:avLst/>
           </a:prstGeom>
           <a:solidFill>
-            <a:srgbClr val="FF6600"/>
+            <a:schemeClr val="accent2"/>
           </a:solidFill>
         </p:spPr>
         <p:style>
@@ -7545,29 +7006,809 @@
           <a:p>
             <a:pPr algn="ctr"/>
             <a:r>
-              <a:rPr lang="en-US" dirty="0" err="1" smtClean="0"/>
-              <a:t>App.com</a:t>
-            </a:r>
-            <a:r>
-              <a:rPr lang="en-US" dirty="0" smtClean="0"/>
-              <a:t> Domain</a:t>
+              <a:rPr lang="en-US" dirty="0" smtClean="0"/>
+              <a:t>2</a:t>
             </a:r>
             <a:endParaRPr lang="en-US" dirty="0"/>
+          </a:p>
+        </p:txBody>
+      </p:sp>
+      <p:sp>
+        <p:nvSpPr>
+          <p:cNvPr id="19" name="Rectangle 18"/>
+          <p:cNvSpPr/>
+          <p:nvPr/>
+        </p:nvSpPr>
+        <p:spPr>
+          <a:xfrm>
+            <a:off x="6822501" y="3577539"/>
+            <a:ext cx="371040" cy="399530"/>
+          </a:xfrm>
+          <a:prstGeom prst="rect">
+            <a:avLst/>
+          </a:prstGeom>
+          <a:solidFill>
+            <a:schemeClr val="accent5"/>
+          </a:solidFill>
+        </p:spPr>
+        <p:style>
+          <a:lnRef idx="1">
+            <a:schemeClr val="accent1"/>
+          </a:lnRef>
+          <a:fillRef idx="3">
+            <a:schemeClr val="accent1"/>
+          </a:fillRef>
+          <a:effectRef idx="2">
+            <a:schemeClr val="accent1"/>
+          </a:effectRef>
+          <a:fontRef idx="minor">
+            <a:schemeClr val="lt1"/>
+          </a:fontRef>
+        </p:style>
+        <p:txBody>
+          <a:bodyPr rtlCol="0" anchor="ctr"/>
+          <a:lstStyle/>
+          <a:p>
+            <a:pPr algn="ctr"/>
+            <a:r>
+              <a:rPr lang="en-US" dirty="0" smtClean="0"/>
+              <a:t>3</a:t>
+            </a:r>
+            <a:endParaRPr lang="en-US" dirty="0"/>
+          </a:p>
+        </p:txBody>
+      </p:sp>
+      <p:sp>
+        <p:nvSpPr>
+          <p:cNvPr id="20" name="Rectangle 19"/>
+          <p:cNvSpPr/>
+          <p:nvPr/>
+        </p:nvSpPr>
+        <p:spPr>
+          <a:xfrm>
+            <a:off x="7298014" y="3577539"/>
+            <a:ext cx="371040" cy="399530"/>
+          </a:xfrm>
+          <a:prstGeom prst="rect">
+            <a:avLst/>
+          </a:prstGeom>
+          <a:solidFill>
+            <a:schemeClr val="accent5"/>
+          </a:solidFill>
+        </p:spPr>
+        <p:style>
+          <a:lnRef idx="1">
+            <a:schemeClr val="accent1"/>
+          </a:lnRef>
+          <a:fillRef idx="3">
+            <a:schemeClr val="accent1"/>
+          </a:fillRef>
+          <a:effectRef idx="2">
+            <a:schemeClr val="accent1"/>
+          </a:effectRef>
+          <a:fontRef idx="minor">
+            <a:schemeClr val="lt1"/>
+          </a:fontRef>
+        </p:style>
+        <p:txBody>
+          <a:bodyPr rtlCol="0" anchor="ctr"/>
+          <a:lstStyle/>
+          <a:p>
+            <a:pPr algn="ctr"/>
+            <a:r>
+              <a:rPr lang="en-US" dirty="0"/>
+              <a:t>4</a:t>
+            </a:r>
+          </a:p>
+        </p:txBody>
+      </p:sp>
+      <p:sp>
+        <p:nvSpPr>
+          <p:cNvPr id="21" name="Rectangle 20"/>
+          <p:cNvSpPr/>
+          <p:nvPr/>
+        </p:nvSpPr>
+        <p:spPr>
+          <a:xfrm>
+            <a:off x="7788336" y="3577539"/>
+            <a:ext cx="371040" cy="399530"/>
+          </a:xfrm>
+          <a:prstGeom prst="rect">
+            <a:avLst/>
+          </a:prstGeom>
+          <a:solidFill>
+            <a:schemeClr val="accent5"/>
+          </a:solidFill>
+        </p:spPr>
+        <p:style>
+          <a:lnRef idx="1">
+            <a:schemeClr val="accent1"/>
+          </a:lnRef>
+          <a:fillRef idx="3">
+            <a:schemeClr val="accent1"/>
+          </a:fillRef>
+          <a:effectRef idx="2">
+            <a:schemeClr val="accent1"/>
+          </a:effectRef>
+          <a:fontRef idx="minor">
+            <a:schemeClr val="lt1"/>
+          </a:fontRef>
+        </p:style>
+        <p:txBody>
+          <a:bodyPr rtlCol="0" anchor="ctr"/>
+          <a:lstStyle/>
+          <a:p>
+            <a:pPr algn="ctr"/>
+            <a:r>
+              <a:rPr lang="en-US" dirty="0"/>
+              <a:t>5</a:t>
+            </a:r>
+          </a:p>
+        </p:txBody>
+      </p:sp>
+      <p:sp>
+        <p:nvSpPr>
+          <p:cNvPr id="22" name="Rectangle 21"/>
+          <p:cNvSpPr/>
+          <p:nvPr/>
+        </p:nvSpPr>
+        <p:spPr>
+          <a:xfrm>
+            <a:off x="8273006" y="3577539"/>
+            <a:ext cx="371040" cy="399530"/>
+          </a:xfrm>
+          <a:prstGeom prst="rect">
+            <a:avLst/>
+          </a:prstGeom>
+          <a:solidFill>
+            <a:schemeClr val="accent5"/>
+          </a:solidFill>
+        </p:spPr>
+        <p:style>
+          <a:lnRef idx="1">
+            <a:schemeClr val="accent1"/>
+          </a:lnRef>
+          <a:fillRef idx="3">
+            <a:schemeClr val="accent1"/>
+          </a:fillRef>
+          <a:effectRef idx="2">
+            <a:schemeClr val="accent1"/>
+          </a:effectRef>
+          <a:fontRef idx="minor">
+            <a:schemeClr val="lt1"/>
+          </a:fontRef>
+        </p:style>
+        <p:txBody>
+          <a:bodyPr rtlCol="0" anchor="ctr"/>
+          <a:lstStyle/>
+          <a:p>
+            <a:pPr algn="ctr"/>
+            <a:r>
+              <a:rPr lang="en-US" dirty="0"/>
+              <a:t>6</a:t>
+            </a:r>
+          </a:p>
+        </p:txBody>
+      </p:sp>
+      <p:sp>
+        <p:nvSpPr>
+          <p:cNvPr id="23" name="Rectangle 22"/>
+          <p:cNvSpPr/>
+          <p:nvPr/>
+        </p:nvSpPr>
+        <p:spPr>
+          <a:xfrm>
+            <a:off x="5851019" y="3567828"/>
+            <a:ext cx="371040" cy="399530"/>
+          </a:xfrm>
+          <a:prstGeom prst="rect">
+            <a:avLst/>
+          </a:prstGeom>
+          <a:solidFill>
+            <a:schemeClr val="accent2"/>
+          </a:solidFill>
+        </p:spPr>
+        <p:style>
+          <a:lnRef idx="1">
+            <a:schemeClr val="accent1"/>
+          </a:lnRef>
+          <a:fillRef idx="3">
+            <a:schemeClr val="accent1"/>
+          </a:fillRef>
+          <a:effectRef idx="2">
+            <a:schemeClr val="accent1"/>
+          </a:effectRef>
+          <a:fontRef idx="minor">
+            <a:schemeClr val="lt1"/>
+          </a:fontRef>
+        </p:style>
+        <p:txBody>
+          <a:bodyPr rtlCol="0" anchor="ctr"/>
+          <a:lstStyle/>
+          <a:p>
+            <a:pPr algn="ctr"/>
+            <a:r>
+              <a:rPr lang="en-US" dirty="0" smtClean="0"/>
+              <a:t>1</a:t>
+            </a:r>
+            <a:endParaRPr lang="en-US" dirty="0"/>
+          </a:p>
+        </p:txBody>
+      </p:sp>
+      <p:sp>
+        <p:nvSpPr>
+          <p:cNvPr id="24" name="Rectangle 23"/>
+          <p:cNvSpPr/>
+          <p:nvPr/>
+        </p:nvSpPr>
+        <p:spPr>
+          <a:xfrm>
+            <a:off x="6341338" y="4580921"/>
+            <a:ext cx="371040" cy="399530"/>
+          </a:xfrm>
+          <a:prstGeom prst="rect">
+            <a:avLst/>
+          </a:prstGeom>
+          <a:solidFill>
+            <a:schemeClr val="accent3"/>
+          </a:solidFill>
+        </p:spPr>
+        <p:style>
+          <a:lnRef idx="1">
+            <a:schemeClr val="accent1"/>
+          </a:lnRef>
+          <a:fillRef idx="3">
+            <a:schemeClr val="accent1"/>
+          </a:fillRef>
+          <a:effectRef idx="2">
+            <a:schemeClr val="accent1"/>
+          </a:effectRef>
+          <a:fontRef idx="minor">
+            <a:schemeClr val="lt1"/>
+          </a:fontRef>
+        </p:style>
+        <p:txBody>
+          <a:bodyPr rtlCol="0" anchor="ctr"/>
+          <a:lstStyle/>
+          <a:p>
+            <a:pPr algn="ctr"/>
+            <a:r>
+              <a:rPr lang="en-US" dirty="0" smtClean="0"/>
+              <a:t>2</a:t>
+            </a:r>
+            <a:endParaRPr lang="en-US" dirty="0"/>
+          </a:p>
+        </p:txBody>
+      </p:sp>
+      <p:sp>
+        <p:nvSpPr>
+          <p:cNvPr id="25" name="Rectangle 24"/>
+          <p:cNvSpPr/>
+          <p:nvPr/>
+        </p:nvSpPr>
+        <p:spPr>
+          <a:xfrm>
+            <a:off x="6822501" y="4590632"/>
+            <a:ext cx="371040" cy="399530"/>
+          </a:xfrm>
+          <a:prstGeom prst="rect">
+            <a:avLst/>
+          </a:prstGeom>
+          <a:solidFill>
+            <a:schemeClr val="accent2"/>
+          </a:solidFill>
+        </p:spPr>
+        <p:style>
+          <a:lnRef idx="1">
+            <a:schemeClr val="accent1"/>
+          </a:lnRef>
+          <a:fillRef idx="3">
+            <a:schemeClr val="accent1"/>
+          </a:fillRef>
+          <a:effectRef idx="2">
+            <a:schemeClr val="accent1"/>
+          </a:effectRef>
+          <a:fontRef idx="minor">
+            <a:schemeClr val="lt1"/>
+          </a:fontRef>
+        </p:style>
+        <p:txBody>
+          <a:bodyPr rtlCol="0" anchor="ctr"/>
+          <a:lstStyle/>
+          <a:p>
+            <a:pPr algn="ctr"/>
+            <a:r>
+              <a:rPr lang="en-US" dirty="0" smtClean="0"/>
+              <a:t>3</a:t>
+            </a:r>
+            <a:endParaRPr lang="en-US" dirty="0"/>
+          </a:p>
+        </p:txBody>
+      </p:sp>
+      <p:sp>
+        <p:nvSpPr>
+          <p:cNvPr id="26" name="Rectangle 25"/>
+          <p:cNvSpPr/>
+          <p:nvPr/>
+        </p:nvSpPr>
+        <p:spPr>
+          <a:xfrm>
+            <a:off x="7298014" y="4590632"/>
+            <a:ext cx="371040" cy="399530"/>
+          </a:xfrm>
+          <a:prstGeom prst="rect">
+            <a:avLst/>
+          </a:prstGeom>
+          <a:solidFill>
+            <a:schemeClr val="accent2"/>
+          </a:solidFill>
+        </p:spPr>
+        <p:style>
+          <a:lnRef idx="1">
+            <a:schemeClr val="accent1"/>
+          </a:lnRef>
+          <a:fillRef idx="3">
+            <a:schemeClr val="accent1"/>
+          </a:fillRef>
+          <a:effectRef idx="2">
+            <a:schemeClr val="accent1"/>
+          </a:effectRef>
+          <a:fontRef idx="minor">
+            <a:schemeClr val="lt1"/>
+          </a:fontRef>
+        </p:style>
+        <p:txBody>
+          <a:bodyPr rtlCol="0" anchor="ctr"/>
+          <a:lstStyle/>
+          <a:p>
+            <a:pPr algn="ctr"/>
+            <a:r>
+              <a:rPr lang="en-US" dirty="0"/>
+              <a:t>4</a:t>
+            </a:r>
+          </a:p>
+        </p:txBody>
+      </p:sp>
+      <p:sp>
+        <p:nvSpPr>
+          <p:cNvPr id="27" name="Rectangle 26"/>
+          <p:cNvSpPr/>
+          <p:nvPr/>
+        </p:nvSpPr>
+        <p:spPr>
+          <a:xfrm>
+            <a:off x="7788336" y="4590632"/>
+            <a:ext cx="371040" cy="399530"/>
+          </a:xfrm>
+          <a:prstGeom prst="rect">
+            <a:avLst/>
+          </a:prstGeom>
+          <a:solidFill>
+            <a:schemeClr val="accent5"/>
+          </a:solidFill>
+        </p:spPr>
+        <p:style>
+          <a:lnRef idx="1">
+            <a:schemeClr val="accent1"/>
+          </a:lnRef>
+          <a:fillRef idx="3">
+            <a:schemeClr val="accent1"/>
+          </a:fillRef>
+          <a:effectRef idx="2">
+            <a:schemeClr val="accent1"/>
+          </a:effectRef>
+          <a:fontRef idx="minor">
+            <a:schemeClr val="lt1"/>
+          </a:fontRef>
+        </p:style>
+        <p:txBody>
+          <a:bodyPr rtlCol="0" anchor="ctr"/>
+          <a:lstStyle/>
+          <a:p>
+            <a:pPr algn="ctr"/>
+            <a:r>
+              <a:rPr lang="en-US" dirty="0"/>
+              <a:t>5</a:t>
+            </a:r>
+          </a:p>
+        </p:txBody>
+      </p:sp>
+      <p:sp>
+        <p:nvSpPr>
+          <p:cNvPr id="28" name="Rectangle 27"/>
+          <p:cNvSpPr/>
+          <p:nvPr/>
+        </p:nvSpPr>
+        <p:spPr>
+          <a:xfrm>
+            <a:off x="8273006" y="4590632"/>
+            <a:ext cx="371040" cy="399530"/>
+          </a:xfrm>
+          <a:prstGeom prst="rect">
+            <a:avLst/>
+          </a:prstGeom>
+          <a:solidFill>
+            <a:schemeClr val="accent5"/>
+          </a:solidFill>
+        </p:spPr>
+        <p:style>
+          <a:lnRef idx="1">
+            <a:schemeClr val="accent1"/>
+          </a:lnRef>
+          <a:fillRef idx="3">
+            <a:schemeClr val="accent1"/>
+          </a:fillRef>
+          <a:effectRef idx="2">
+            <a:schemeClr val="accent1"/>
+          </a:effectRef>
+          <a:fontRef idx="minor">
+            <a:schemeClr val="lt1"/>
+          </a:fontRef>
+        </p:style>
+        <p:txBody>
+          <a:bodyPr rtlCol="0" anchor="ctr"/>
+          <a:lstStyle/>
+          <a:p>
+            <a:pPr algn="ctr"/>
+            <a:r>
+              <a:rPr lang="en-US" dirty="0"/>
+              <a:t>6</a:t>
+            </a:r>
+          </a:p>
+        </p:txBody>
+      </p:sp>
+      <p:sp>
+        <p:nvSpPr>
+          <p:cNvPr id="29" name="Rectangle 28"/>
+          <p:cNvSpPr/>
+          <p:nvPr/>
+        </p:nvSpPr>
+        <p:spPr>
+          <a:xfrm>
+            <a:off x="5851019" y="4580921"/>
+            <a:ext cx="371040" cy="399530"/>
+          </a:xfrm>
+          <a:prstGeom prst="rect">
+            <a:avLst/>
+          </a:prstGeom>
+          <a:solidFill>
+            <a:schemeClr val="accent3"/>
+          </a:solidFill>
+        </p:spPr>
+        <p:style>
+          <a:lnRef idx="1">
+            <a:schemeClr val="accent1"/>
+          </a:lnRef>
+          <a:fillRef idx="3">
+            <a:schemeClr val="accent1"/>
+          </a:fillRef>
+          <a:effectRef idx="2">
+            <a:schemeClr val="accent1"/>
+          </a:effectRef>
+          <a:fontRef idx="minor">
+            <a:schemeClr val="lt1"/>
+          </a:fontRef>
+        </p:style>
+        <p:txBody>
+          <a:bodyPr rtlCol="0" anchor="ctr"/>
+          <a:lstStyle/>
+          <a:p>
+            <a:pPr algn="ctr"/>
+            <a:r>
+              <a:rPr lang="en-US" dirty="0" smtClean="0"/>
+              <a:t>1</a:t>
+            </a:r>
+            <a:endParaRPr lang="en-US" dirty="0"/>
+          </a:p>
+        </p:txBody>
+      </p:sp>
+      <p:sp>
+        <p:nvSpPr>
+          <p:cNvPr id="30" name="Rectangle 29"/>
+          <p:cNvSpPr/>
+          <p:nvPr/>
+        </p:nvSpPr>
+        <p:spPr>
+          <a:xfrm>
+            <a:off x="6341338" y="5579746"/>
+            <a:ext cx="371040" cy="399530"/>
+          </a:xfrm>
+          <a:prstGeom prst="rect">
+            <a:avLst/>
+          </a:prstGeom>
+          <a:solidFill>
+            <a:schemeClr val="accent3"/>
+          </a:solidFill>
+        </p:spPr>
+        <p:style>
+          <a:lnRef idx="1">
+            <a:schemeClr val="accent1"/>
+          </a:lnRef>
+          <a:fillRef idx="3">
+            <a:schemeClr val="accent1"/>
+          </a:fillRef>
+          <a:effectRef idx="2">
+            <a:schemeClr val="accent1"/>
+          </a:effectRef>
+          <a:fontRef idx="minor">
+            <a:schemeClr val="lt1"/>
+          </a:fontRef>
+        </p:style>
+        <p:txBody>
+          <a:bodyPr rtlCol="0" anchor="ctr"/>
+          <a:lstStyle/>
+          <a:p>
+            <a:pPr algn="ctr"/>
+            <a:r>
+              <a:rPr lang="en-US" dirty="0" smtClean="0"/>
+              <a:t>2</a:t>
+            </a:r>
+            <a:endParaRPr lang="en-US" dirty="0"/>
+          </a:p>
+        </p:txBody>
+      </p:sp>
+      <p:sp>
+        <p:nvSpPr>
+          <p:cNvPr id="31" name="Rectangle 30"/>
+          <p:cNvSpPr/>
+          <p:nvPr/>
+        </p:nvSpPr>
+        <p:spPr>
+          <a:xfrm>
+            <a:off x="6822501" y="5589457"/>
+            <a:ext cx="371040" cy="399530"/>
+          </a:xfrm>
+          <a:prstGeom prst="rect">
+            <a:avLst/>
+          </a:prstGeom>
+          <a:solidFill>
+            <a:schemeClr val="accent3"/>
+          </a:solidFill>
+        </p:spPr>
+        <p:style>
+          <a:lnRef idx="1">
+            <a:schemeClr val="accent1"/>
+          </a:lnRef>
+          <a:fillRef idx="3">
+            <a:schemeClr val="accent1"/>
+          </a:fillRef>
+          <a:effectRef idx="2">
+            <a:schemeClr val="accent1"/>
+          </a:effectRef>
+          <a:fontRef idx="minor">
+            <a:schemeClr val="lt1"/>
+          </a:fontRef>
+        </p:style>
+        <p:txBody>
+          <a:bodyPr rtlCol="0" anchor="ctr"/>
+          <a:lstStyle/>
+          <a:p>
+            <a:pPr algn="ctr"/>
+            <a:r>
+              <a:rPr lang="en-US" dirty="0" smtClean="0"/>
+              <a:t>3</a:t>
+            </a:r>
+            <a:endParaRPr lang="en-US" dirty="0"/>
+          </a:p>
+        </p:txBody>
+      </p:sp>
+      <p:sp>
+        <p:nvSpPr>
+          <p:cNvPr id="32" name="Rectangle 31"/>
+          <p:cNvSpPr/>
+          <p:nvPr/>
+        </p:nvSpPr>
+        <p:spPr>
+          <a:xfrm>
+            <a:off x="7298014" y="5589457"/>
+            <a:ext cx="371040" cy="399530"/>
+          </a:xfrm>
+          <a:prstGeom prst="rect">
+            <a:avLst/>
+          </a:prstGeom>
+          <a:solidFill>
+            <a:schemeClr val="accent3"/>
+          </a:solidFill>
+        </p:spPr>
+        <p:style>
+          <a:lnRef idx="1">
+            <a:schemeClr val="accent1"/>
+          </a:lnRef>
+          <a:fillRef idx="3">
+            <a:schemeClr val="accent1"/>
+          </a:fillRef>
+          <a:effectRef idx="2">
+            <a:schemeClr val="accent1"/>
+          </a:effectRef>
+          <a:fontRef idx="minor">
+            <a:schemeClr val="lt1"/>
+          </a:fontRef>
+        </p:style>
+        <p:txBody>
+          <a:bodyPr rtlCol="0" anchor="ctr"/>
+          <a:lstStyle/>
+          <a:p>
+            <a:pPr algn="ctr"/>
+            <a:r>
+              <a:rPr lang="en-US" dirty="0"/>
+              <a:t>4</a:t>
+            </a:r>
+          </a:p>
+        </p:txBody>
+      </p:sp>
+      <p:sp>
+        <p:nvSpPr>
+          <p:cNvPr id="33" name="Rectangle 32"/>
+          <p:cNvSpPr/>
+          <p:nvPr/>
+        </p:nvSpPr>
+        <p:spPr>
+          <a:xfrm>
+            <a:off x="7788336" y="5589457"/>
+            <a:ext cx="371040" cy="399530"/>
+          </a:xfrm>
+          <a:prstGeom prst="rect">
+            <a:avLst/>
+          </a:prstGeom>
+          <a:solidFill>
+            <a:schemeClr val="accent2"/>
+          </a:solidFill>
+        </p:spPr>
+        <p:style>
+          <a:lnRef idx="1">
+            <a:schemeClr val="accent1"/>
+          </a:lnRef>
+          <a:fillRef idx="3">
+            <a:schemeClr val="accent1"/>
+          </a:fillRef>
+          <a:effectRef idx="2">
+            <a:schemeClr val="accent1"/>
+          </a:effectRef>
+          <a:fontRef idx="minor">
+            <a:schemeClr val="lt1"/>
+          </a:fontRef>
+        </p:style>
+        <p:txBody>
+          <a:bodyPr rtlCol="0" anchor="ctr"/>
+          <a:lstStyle/>
+          <a:p>
+            <a:pPr algn="ctr"/>
+            <a:r>
+              <a:rPr lang="en-US" dirty="0"/>
+              <a:t>5</a:t>
+            </a:r>
+          </a:p>
+        </p:txBody>
+      </p:sp>
+      <p:sp>
+        <p:nvSpPr>
+          <p:cNvPr id="34" name="Rectangle 33"/>
+          <p:cNvSpPr/>
+          <p:nvPr/>
+        </p:nvSpPr>
+        <p:spPr>
+          <a:xfrm>
+            <a:off x="8273006" y="5589457"/>
+            <a:ext cx="371040" cy="399530"/>
+          </a:xfrm>
+          <a:prstGeom prst="rect">
+            <a:avLst/>
+          </a:prstGeom>
+          <a:solidFill>
+            <a:schemeClr val="accent2"/>
+          </a:solidFill>
+        </p:spPr>
+        <p:style>
+          <a:lnRef idx="1">
+            <a:schemeClr val="accent1"/>
+          </a:lnRef>
+          <a:fillRef idx="3">
+            <a:schemeClr val="accent1"/>
+          </a:fillRef>
+          <a:effectRef idx="2">
+            <a:schemeClr val="accent1"/>
+          </a:effectRef>
+          <a:fontRef idx="minor">
+            <a:schemeClr val="lt1"/>
+          </a:fontRef>
+        </p:style>
+        <p:txBody>
+          <a:bodyPr rtlCol="0" anchor="ctr"/>
+          <a:lstStyle/>
+          <a:p>
+            <a:pPr algn="ctr"/>
+            <a:r>
+              <a:rPr lang="en-US" dirty="0"/>
+              <a:t>6</a:t>
+            </a:r>
+          </a:p>
+        </p:txBody>
+      </p:sp>
+      <p:sp>
+        <p:nvSpPr>
+          <p:cNvPr id="35" name="Rectangle 34"/>
+          <p:cNvSpPr/>
+          <p:nvPr/>
+        </p:nvSpPr>
+        <p:spPr>
+          <a:xfrm>
+            <a:off x="5851019" y="5579746"/>
+            <a:ext cx="371040" cy="399530"/>
+          </a:xfrm>
+          <a:prstGeom prst="rect">
+            <a:avLst/>
+          </a:prstGeom>
+          <a:solidFill>
+            <a:schemeClr val="accent3"/>
+          </a:solidFill>
+        </p:spPr>
+        <p:style>
+          <a:lnRef idx="1">
+            <a:schemeClr val="accent1"/>
+          </a:lnRef>
+          <a:fillRef idx="3">
+            <a:schemeClr val="accent1"/>
+          </a:fillRef>
+          <a:effectRef idx="2">
+            <a:schemeClr val="accent1"/>
+          </a:effectRef>
+          <a:fontRef idx="minor">
+            <a:schemeClr val="lt1"/>
+          </a:fontRef>
+        </p:style>
+        <p:txBody>
+          <a:bodyPr rtlCol="0" anchor="ctr"/>
+          <a:lstStyle/>
+          <a:p>
+            <a:pPr algn="ctr"/>
+            <a:r>
+              <a:rPr lang="en-US" dirty="0" smtClean="0"/>
+              <a:t>1</a:t>
+            </a:r>
+            <a:endParaRPr lang="en-US" dirty="0"/>
+          </a:p>
+        </p:txBody>
+      </p:sp>
+      <p:sp>
+        <p:nvSpPr>
+          <p:cNvPr id="11" name="TextBox 10"/>
+          <p:cNvSpPr txBox="1"/>
+          <p:nvPr/>
+        </p:nvSpPr>
+        <p:spPr>
+          <a:xfrm>
+            <a:off x="5866109" y="1868399"/>
+            <a:ext cx="2827517" cy="369332"/>
+          </a:xfrm>
+          <a:prstGeom prst="rect">
+            <a:avLst/>
+          </a:prstGeom>
+          <a:noFill/>
+        </p:spPr>
+        <p:txBody>
+          <a:bodyPr wrap="none" rtlCol="0">
+            <a:spAutoFit/>
+          </a:bodyPr>
+          <a:lstStyle/>
+          <a:p>
+            <a:r>
+              <a:rPr lang="en-US" b="1" dirty="0" smtClean="0"/>
+              <a:t>2 server rolling deployment</a:t>
+            </a:r>
+            <a:endParaRPr lang="en-US" b="1" dirty="0"/>
           </a:p>
         </p:txBody>
       </p:sp>
       <p:cxnSp>
         <p:nvCxnSpPr>
-          <p:cNvPr id="7" name="Straight Arrow Connector 6"/>
-          <p:cNvCxnSpPr>
-            <a:stCxn id="4" idx="2"/>
-          </p:cNvCxnSpPr>
+          <p:cNvPr id="37" name="Straight Arrow Connector 36"/>
+          <p:cNvCxnSpPr/>
           <p:nvPr/>
         </p:nvCxnSpPr>
         <p:spPr>
-          <a:xfrm flipH="1">
-            <a:off x="6364766" y="2104666"/>
-            <a:ext cx="804545" cy="420933"/>
+          <a:xfrm>
+            <a:off x="7193541" y="3167700"/>
+            <a:ext cx="0" cy="271110"/>
           </a:xfrm>
           <a:prstGeom prst="straightConnector1">
             <a:avLst/>
@@ -7591,335 +7832,16 @@
           </a:fontRef>
         </p:style>
       </p:cxnSp>
-      <p:sp>
-        <p:nvSpPr>
-          <p:cNvPr id="40" name="Rectangle 39"/>
-          <p:cNvSpPr/>
-          <p:nvPr/>
-        </p:nvSpPr>
-        <p:spPr>
-          <a:xfrm>
-            <a:off x="6137977" y="5206774"/>
-            <a:ext cx="371040" cy="399530"/>
-          </a:xfrm>
-          <a:prstGeom prst="rect">
-            <a:avLst/>
-          </a:prstGeom>
-          <a:solidFill>
-            <a:srgbClr val="0000FF"/>
-          </a:solidFill>
-        </p:spPr>
-        <p:style>
-          <a:lnRef idx="1">
-            <a:schemeClr val="accent1"/>
-          </a:lnRef>
-          <a:fillRef idx="3">
-            <a:schemeClr val="accent1"/>
-          </a:fillRef>
-          <a:effectRef idx="2">
-            <a:schemeClr val="accent1"/>
-          </a:effectRef>
-          <a:fontRef idx="minor">
-            <a:schemeClr val="lt1"/>
-          </a:fontRef>
-        </p:style>
-        <p:txBody>
-          <a:bodyPr rtlCol="0" anchor="ctr"/>
-          <a:lstStyle/>
-          <a:p>
-            <a:pPr algn="ctr"/>
-            <a:r>
-              <a:rPr lang="en-US" dirty="0" smtClean="0"/>
-              <a:t>2</a:t>
-            </a:r>
-            <a:endParaRPr lang="en-US" dirty="0"/>
-          </a:p>
-        </p:txBody>
-      </p:sp>
-      <p:sp>
-        <p:nvSpPr>
-          <p:cNvPr id="43" name="Rectangle 42"/>
-          <p:cNvSpPr/>
-          <p:nvPr/>
-        </p:nvSpPr>
-        <p:spPr>
-          <a:xfrm>
-            <a:off x="6619140" y="5216485"/>
-            <a:ext cx="371040" cy="399530"/>
-          </a:xfrm>
-          <a:prstGeom prst="rect">
-            <a:avLst/>
-          </a:prstGeom>
-          <a:solidFill>
-            <a:srgbClr val="0000FF"/>
-          </a:solidFill>
-        </p:spPr>
-        <p:style>
-          <a:lnRef idx="1">
-            <a:schemeClr val="accent1"/>
-          </a:lnRef>
-          <a:fillRef idx="3">
-            <a:schemeClr val="accent1"/>
-          </a:fillRef>
-          <a:effectRef idx="2">
-            <a:schemeClr val="accent1"/>
-          </a:effectRef>
-          <a:fontRef idx="minor">
-            <a:schemeClr val="lt1"/>
-          </a:fontRef>
-        </p:style>
-        <p:txBody>
-          <a:bodyPr rtlCol="0" anchor="ctr"/>
-          <a:lstStyle/>
-          <a:p>
-            <a:pPr algn="ctr"/>
-            <a:r>
-              <a:rPr lang="en-US" dirty="0" smtClean="0"/>
-              <a:t>3</a:t>
-            </a:r>
-            <a:endParaRPr lang="en-US" dirty="0"/>
-          </a:p>
-        </p:txBody>
-      </p:sp>
-      <p:sp>
-        <p:nvSpPr>
-          <p:cNvPr id="44" name="Rectangle 43"/>
-          <p:cNvSpPr/>
-          <p:nvPr/>
-        </p:nvSpPr>
-        <p:spPr>
-          <a:xfrm>
-            <a:off x="7337260" y="5216485"/>
-            <a:ext cx="371040" cy="399530"/>
-          </a:xfrm>
-          <a:prstGeom prst="rect">
-            <a:avLst/>
-          </a:prstGeom>
-          <a:solidFill>
-            <a:srgbClr val="008000"/>
-          </a:solidFill>
-        </p:spPr>
-        <p:style>
-          <a:lnRef idx="1">
-            <a:schemeClr val="accent1"/>
-          </a:lnRef>
-          <a:fillRef idx="3">
-            <a:schemeClr val="accent1"/>
-          </a:fillRef>
-          <a:effectRef idx="2">
-            <a:schemeClr val="accent1"/>
-          </a:effectRef>
-          <a:fontRef idx="minor">
-            <a:schemeClr val="lt1"/>
-          </a:fontRef>
-        </p:style>
-        <p:txBody>
-          <a:bodyPr rtlCol="0" anchor="ctr"/>
-          <a:lstStyle/>
-          <a:p>
-            <a:pPr algn="ctr"/>
-            <a:r>
-              <a:rPr lang="en-US" dirty="0" smtClean="0"/>
-              <a:t>1</a:t>
-            </a:r>
-            <a:endParaRPr lang="en-US" dirty="0"/>
-          </a:p>
-        </p:txBody>
-      </p:sp>
-      <p:sp>
-        <p:nvSpPr>
-          <p:cNvPr id="46" name="Rectangle 45"/>
-          <p:cNvSpPr/>
-          <p:nvPr/>
-        </p:nvSpPr>
-        <p:spPr>
-          <a:xfrm>
-            <a:off x="7827582" y="5216485"/>
-            <a:ext cx="371040" cy="399530"/>
-          </a:xfrm>
-          <a:prstGeom prst="rect">
-            <a:avLst/>
-          </a:prstGeom>
-          <a:solidFill>
-            <a:srgbClr val="008000"/>
-          </a:solidFill>
-        </p:spPr>
-        <p:style>
-          <a:lnRef idx="1">
-            <a:schemeClr val="accent1"/>
-          </a:lnRef>
-          <a:fillRef idx="3">
-            <a:schemeClr val="accent1"/>
-          </a:fillRef>
-          <a:effectRef idx="2">
-            <a:schemeClr val="accent1"/>
-          </a:effectRef>
-          <a:fontRef idx="minor">
-            <a:schemeClr val="lt1"/>
-          </a:fontRef>
-        </p:style>
-        <p:txBody>
-          <a:bodyPr rtlCol="0" anchor="ctr"/>
-          <a:lstStyle/>
-          <a:p>
-            <a:pPr algn="ctr"/>
-            <a:r>
-              <a:rPr lang="en-US" dirty="0"/>
-              <a:t>2</a:t>
-            </a:r>
-          </a:p>
-        </p:txBody>
-      </p:sp>
-      <p:sp>
-        <p:nvSpPr>
-          <p:cNvPr id="47" name="Rectangle 46"/>
-          <p:cNvSpPr/>
-          <p:nvPr/>
-        </p:nvSpPr>
-        <p:spPr>
-          <a:xfrm>
-            <a:off x="8312252" y="5216485"/>
-            <a:ext cx="371040" cy="399530"/>
-          </a:xfrm>
-          <a:prstGeom prst="rect">
-            <a:avLst/>
-          </a:prstGeom>
-          <a:solidFill>
-            <a:srgbClr val="008000"/>
-          </a:solidFill>
-        </p:spPr>
-        <p:style>
-          <a:lnRef idx="1">
-            <a:schemeClr val="accent1"/>
-          </a:lnRef>
-          <a:fillRef idx="3">
-            <a:schemeClr val="accent1"/>
-          </a:fillRef>
-          <a:effectRef idx="2">
-            <a:schemeClr val="accent1"/>
-          </a:effectRef>
-          <a:fontRef idx="minor">
-            <a:schemeClr val="lt1"/>
-          </a:fontRef>
-        </p:style>
-        <p:txBody>
-          <a:bodyPr rtlCol="0" anchor="ctr"/>
-          <a:lstStyle/>
-          <a:p>
-            <a:pPr algn="ctr"/>
-            <a:r>
-              <a:rPr lang="en-US" dirty="0"/>
-              <a:t>3</a:t>
-            </a:r>
-          </a:p>
-        </p:txBody>
-      </p:sp>
-      <p:sp>
-        <p:nvSpPr>
-          <p:cNvPr id="48" name="Rectangle 47"/>
-          <p:cNvSpPr/>
-          <p:nvPr/>
-        </p:nvSpPr>
-        <p:spPr>
-          <a:xfrm>
-            <a:off x="5647658" y="5206774"/>
-            <a:ext cx="371040" cy="399530"/>
-          </a:xfrm>
-          <a:prstGeom prst="rect">
-            <a:avLst/>
-          </a:prstGeom>
-          <a:solidFill>
-            <a:srgbClr val="0000FF"/>
-          </a:solidFill>
-        </p:spPr>
-        <p:style>
-          <a:lnRef idx="1">
-            <a:schemeClr val="accent1"/>
-          </a:lnRef>
-          <a:fillRef idx="3">
-            <a:schemeClr val="accent1"/>
-          </a:fillRef>
-          <a:effectRef idx="2">
-            <a:schemeClr val="accent1"/>
-          </a:effectRef>
-          <a:fontRef idx="minor">
-            <a:schemeClr val="lt1"/>
-          </a:fontRef>
-        </p:style>
-        <p:txBody>
-          <a:bodyPr rtlCol="0" anchor="ctr"/>
-          <a:lstStyle/>
-          <a:p>
-            <a:pPr algn="ctr"/>
-            <a:r>
-              <a:rPr lang="en-US" dirty="0" smtClean="0"/>
-              <a:t>1</a:t>
-            </a:r>
-            <a:endParaRPr lang="en-US" dirty="0"/>
-          </a:p>
-        </p:txBody>
-      </p:sp>
-      <p:sp>
-        <p:nvSpPr>
-          <p:cNvPr id="49" name="Rectangle 48"/>
-          <p:cNvSpPr/>
-          <p:nvPr/>
-        </p:nvSpPr>
-        <p:spPr>
-          <a:xfrm>
-            <a:off x="6218492" y="4238467"/>
-            <a:ext cx="1980130" cy="442336"/>
-          </a:xfrm>
-          <a:prstGeom prst="rect">
-            <a:avLst/>
-          </a:prstGeom>
-          <a:solidFill>
-            <a:srgbClr val="FF6600"/>
-          </a:solidFill>
-        </p:spPr>
-        <p:style>
-          <a:lnRef idx="1">
-            <a:schemeClr val="accent1"/>
-          </a:lnRef>
-          <a:fillRef idx="3">
-            <a:schemeClr val="accent1"/>
-          </a:fillRef>
-          <a:effectRef idx="2">
-            <a:schemeClr val="accent1"/>
-          </a:effectRef>
-          <a:fontRef idx="minor">
-            <a:schemeClr val="lt1"/>
-          </a:fontRef>
-        </p:style>
-        <p:txBody>
-          <a:bodyPr rtlCol="0" anchor="ctr"/>
-          <a:lstStyle/>
-          <a:p>
-            <a:pPr algn="ctr"/>
-            <a:r>
-              <a:rPr lang="en-US" dirty="0" err="1" smtClean="0"/>
-              <a:t>App.com</a:t>
-            </a:r>
-            <a:r>
-              <a:rPr lang="en-US" dirty="0" smtClean="0"/>
-              <a:t> Domain</a:t>
-            </a:r>
-            <a:endParaRPr lang="en-US" dirty="0"/>
-          </a:p>
-        </p:txBody>
-      </p:sp>
       <p:cxnSp>
         <p:nvCxnSpPr>
-          <p:cNvPr id="50" name="Straight Arrow Connector 49"/>
-          <p:cNvCxnSpPr>
-            <a:stCxn id="49" idx="2"/>
-          </p:cNvCxnSpPr>
+          <p:cNvPr id="38" name="Straight Arrow Connector 37"/>
+          <p:cNvCxnSpPr/>
           <p:nvPr/>
         </p:nvCxnSpPr>
         <p:spPr>
           <a:xfrm>
-            <a:off x="7208557" y="4680803"/>
-            <a:ext cx="783078" cy="420933"/>
+            <a:off x="7193541" y="4133428"/>
+            <a:ext cx="0" cy="271110"/>
           </a:xfrm>
           <a:prstGeom prst="straightConnector1">
             <a:avLst/>
@@ -7943,10 +7865,133 @@
           </a:fontRef>
         </p:style>
       </p:cxnSp>
+      <p:cxnSp>
+        <p:nvCxnSpPr>
+          <p:cNvPr id="39" name="Straight Arrow Connector 38"/>
+          <p:cNvCxnSpPr/>
+          <p:nvPr/>
+        </p:nvCxnSpPr>
+        <p:spPr>
+          <a:xfrm>
+            <a:off x="7193541" y="5203597"/>
+            <a:ext cx="0" cy="271110"/>
+          </a:xfrm>
+          <a:prstGeom prst="straightConnector1">
+            <a:avLst/>
+          </a:prstGeom>
+          <a:ln>
+            <a:tailEnd type="arrow"/>
+          </a:ln>
+        </p:spPr>
+        <p:style>
+          <a:lnRef idx="2">
+            <a:schemeClr val="accent1"/>
+          </a:lnRef>
+          <a:fillRef idx="0">
+            <a:schemeClr val="accent1"/>
+          </a:fillRef>
+          <a:effectRef idx="1">
+            <a:schemeClr val="accent1"/>
+          </a:effectRef>
+          <a:fontRef idx="minor">
+            <a:schemeClr val="tx1"/>
+          </a:fontRef>
+        </p:style>
+      </p:cxnSp>
+      <p:sp>
+        <p:nvSpPr>
+          <p:cNvPr id="41" name="TextBox 40"/>
+          <p:cNvSpPr txBox="1"/>
+          <p:nvPr/>
+        </p:nvSpPr>
+        <p:spPr>
+          <a:xfrm>
+            <a:off x="6756273" y="4291217"/>
+            <a:ext cx="1044427" cy="369332"/>
+          </a:xfrm>
+          <a:prstGeom prst="rect">
+            <a:avLst/>
+          </a:prstGeom>
+          <a:noFill/>
+        </p:spPr>
+        <p:txBody>
+          <a:bodyPr wrap="none" rtlCol="0">
+            <a:spAutoFit/>
+          </a:bodyPr>
+          <a:lstStyle/>
+          <a:p>
+            <a:r>
+              <a:rPr lang="en-US" dirty="0" smtClean="0"/>
+              <a:t>Updating</a:t>
+            </a:r>
+            <a:endParaRPr lang="en-US" dirty="0"/>
+          </a:p>
+        </p:txBody>
+      </p:sp>
+      <p:sp>
+        <p:nvSpPr>
+          <p:cNvPr id="42" name="TextBox 41"/>
+          <p:cNvSpPr txBox="1"/>
+          <p:nvPr/>
+        </p:nvSpPr>
+        <p:spPr>
+          <a:xfrm>
+            <a:off x="5783187" y="3241303"/>
+            <a:ext cx="1044427" cy="369332"/>
+          </a:xfrm>
+          <a:prstGeom prst="rect">
+            <a:avLst/>
+          </a:prstGeom>
+          <a:noFill/>
+        </p:spPr>
+        <p:txBody>
+          <a:bodyPr wrap="none" rtlCol="0">
+            <a:spAutoFit/>
+          </a:bodyPr>
+          <a:lstStyle/>
+          <a:p>
+            <a:r>
+              <a:rPr lang="en-US" dirty="0" smtClean="0"/>
+              <a:t>Updating</a:t>
+            </a:r>
+            <a:endParaRPr lang="en-US" dirty="0"/>
+          </a:p>
+        </p:txBody>
+      </p:sp>
+      <p:sp>
+        <p:nvSpPr>
+          <p:cNvPr id="45" name="TextBox 44"/>
+          <p:cNvSpPr txBox="1"/>
+          <p:nvPr/>
+        </p:nvSpPr>
+        <p:spPr>
+          <a:xfrm>
+            <a:off x="7669054" y="5267490"/>
+            <a:ext cx="1044427" cy="369332"/>
+          </a:xfrm>
+          <a:prstGeom prst="rect">
+            <a:avLst/>
+          </a:prstGeom>
+          <a:noFill/>
+        </p:spPr>
+        <p:txBody>
+          <a:bodyPr wrap="none" rtlCol="0">
+            <a:spAutoFit/>
+          </a:bodyPr>
+          <a:lstStyle/>
+          <a:p>
+            <a:r>
+              <a:rPr lang="en-US" dirty="0" smtClean="0"/>
+              <a:t>Updating</a:t>
+            </a:r>
+            <a:endParaRPr lang="en-US" dirty="0"/>
+          </a:p>
+        </p:txBody>
+      </p:sp>
     </p:spTree>
     <p:extLst>
       <p:ext uri="{BB962C8B-B14F-4D97-AF65-F5344CB8AC3E}">
-        <p14:creationId xmlns:p14="http://schemas.microsoft.com/office/powerpoint/2010/main" val="3192762345"/>
+        <p14:creationId xmlns:p14="http://schemas.microsoft.com/office/powerpoint/2010/main" val="3443596665"/>
       </p:ext>
     </p:extLst>
   </p:cSld>

--- a/infrastructure-week-12.pptx
+++ b/infrastructure-week-12.pptx
@@ -3123,29 +3123,37 @@
         </p:spPr>
         <p:txBody>
           <a:bodyPr>
-            <a:normAutofit fontScale="90000"/>
+            <a:normAutofit/>
           </a:bodyPr>
           <a:lstStyle/>
           <a:p>
             <a:r>
-              <a:rPr lang="en-US" sz="6000" dirty="0" smtClean="0"/>
+              <a:rPr lang="en-US" sz="3600" dirty="0" err="1"/>
+              <a:t>DevOps</a:t>
+            </a:r>
+            <a:r>
+              <a:rPr lang="en-US" sz="3600" dirty="0"/>
+              <a:t> &amp; Cloud Infrastructure</a:t>
+            </a:r>
+            <a:br>
+              <a:rPr lang="en-US" sz="3600" dirty="0"/>
+            </a:br>
+            <a:r>
+              <a:rPr lang="en-US" sz="3600" dirty="0"/>
               <a:t>SEIS 6XX</a:t>
             </a:r>
             <a:br>
-              <a:rPr lang="en-US" sz="6000" dirty="0" smtClean="0"/>
+              <a:rPr lang="en-US" sz="3600" dirty="0"/>
             </a:br>
             <a:r>
-              <a:rPr lang="en-US" sz="6000" dirty="0" smtClean="0"/>
-              <a:t>IT Infrastructure</a:t>
-            </a:r>
-            <a:br>
-              <a:rPr lang="en-US" sz="6000" dirty="0" smtClean="0"/>
-            </a:br>
-            <a:r>
-              <a:rPr lang="en-US" sz="6000" dirty="0" smtClean="0"/>
-              <a:t>Week 12</a:t>
-            </a:r>
-            <a:endParaRPr lang="en-US" sz="6000" dirty="0"/>
+              <a:rPr lang="en-US" sz="3600" dirty="0"/>
+              <a:t>Week </a:t>
+            </a:r>
+            <a:r>
+              <a:rPr lang="en-US" sz="3600" dirty="0" smtClean="0"/>
+              <a:t>12</a:t>
+            </a:r>
+            <a:endParaRPr lang="en-US" sz="3600" dirty="0"/>
           </a:p>
         </p:txBody>
       </p:sp>
